--- a/assets/images/RAI_toolkit/RAI_categories.pptx
+++ b/assets/images/RAI_toolkit/RAI_categories.pptx
@@ -6,7 +6,9 @@
   </p:sldMasterIdLst>
   <p:sldIdLst>
     <p:sldId id="256" r:id="rId2"/>
-    <p:sldId id="257" r:id="rId3"/>
+    <p:sldId id="259" r:id="rId3"/>
+    <p:sldId id="258" r:id="rId4"/>
+    <p:sldId id="257" r:id="rId5"/>
   </p:sldIdLst>
   <p:sldSz cx="12192000" cy="6858000"/>
   <p:notesSz cx="6858000" cy="9144000"/>
@@ -105,6 +107,11 @@
       </a:defRPr>
     </a:lvl9pPr>
   </p:defaultTextStyle>
+  <p:extLst>
+    <p:ext uri="{EFAFB233-063F-42B5-8137-9DF3F51BA10A}">
+      <p15:sldGuideLst xmlns:p15="http://schemas.microsoft.com/office/powerpoint/2012/main"/>
+    </p:ext>
+  </p:extLst>
 </p:presentation>
 </file>
 
@@ -257,7 +264,7 @@
           <a:p>
             <a:fld id="{9D63B7D8-1762-D641-8ED2-77E889CE9CA9}" type="datetimeFigureOut">
               <a:rPr lang="en-CH" smtClean="0"/>
-              <a:t>21.11.23</a:t>
+              <a:t>28.11.23</a:t>
             </a:fld>
             <a:endParaRPr lang="en-CH"/>
           </a:p>
@@ -457,7 +464,7 @@
           <a:p>
             <a:fld id="{9D63B7D8-1762-D641-8ED2-77E889CE9CA9}" type="datetimeFigureOut">
               <a:rPr lang="en-CH" smtClean="0"/>
-              <a:t>21.11.23</a:t>
+              <a:t>28.11.23</a:t>
             </a:fld>
             <a:endParaRPr lang="en-CH"/>
           </a:p>
@@ -667,7 +674,7 @@
           <a:p>
             <a:fld id="{9D63B7D8-1762-D641-8ED2-77E889CE9CA9}" type="datetimeFigureOut">
               <a:rPr lang="en-CH" smtClean="0"/>
-              <a:t>21.11.23</a:t>
+              <a:t>28.11.23</a:t>
             </a:fld>
             <a:endParaRPr lang="en-CH"/>
           </a:p>
@@ -867,7 +874,7 @@
           <a:p>
             <a:fld id="{9D63B7D8-1762-D641-8ED2-77E889CE9CA9}" type="datetimeFigureOut">
               <a:rPr lang="en-CH" smtClean="0"/>
-              <a:t>21.11.23</a:t>
+              <a:t>28.11.23</a:t>
             </a:fld>
             <a:endParaRPr lang="en-CH"/>
           </a:p>
@@ -1143,7 +1150,7 @@
           <a:p>
             <a:fld id="{9D63B7D8-1762-D641-8ED2-77E889CE9CA9}" type="datetimeFigureOut">
               <a:rPr lang="en-CH" smtClean="0"/>
-              <a:t>21.11.23</a:t>
+              <a:t>28.11.23</a:t>
             </a:fld>
             <a:endParaRPr lang="en-CH"/>
           </a:p>
@@ -1411,7 +1418,7 @@
           <a:p>
             <a:fld id="{9D63B7D8-1762-D641-8ED2-77E889CE9CA9}" type="datetimeFigureOut">
               <a:rPr lang="en-CH" smtClean="0"/>
-              <a:t>21.11.23</a:t>
+              <a:t>28.11.23</a:t>
             </a:fld>
             <a:endParaRPr lang="en-CH"/>
           </a:p>
@@ -1826,7 +1833,7 @@
           <a:p>
             <a:fld id="{9D63B7D8-1762-D641-8ED2-77E889CE9CA9}" type="datetimeFigureOut">
               <a:rPr lang="en-CH" smtClean="0"/>
-              <a:t>21.11.23</a:t>
+              <a:t>28.11.23</a:t>
             </a:fld>
             <a:endParaRPr lang="en-CH"/>
           </a:p>
@@ -1968,7 +1975,7 @@
           <a:p>
             <a:fld id="{9D63B7D8-1762-D641-8ED2-77E889CE9CA9}" type="datetimeFigureOut">
               <a:rPr lang="en-CH" smtClean="0"/>
-              <a:t>21.11.23</a:t>
+              <a:t>28.11.23</a:t>
             </a:fld>
             <a:endParaRPr lang="en-CH"/>
           </a:p>
@@ -2081,7 +2088,7 @@
           <a:p>
             <a:fld id="{9D63B7D8-1762-D641-8ED2-77E889CE9CA9}" type="datetimeFigureOut">
               <a:rPr lang="en-CH" smtClean="0"/>
-              <a:t>21.11.23</a:t>
+              <a:t>28.11.23</a:t>
             </a:fld>
             <a:endParaRPr lang="en-CH"/>
           </a:p>
@@ -2394,7 +2401,7 @@
           <a:p>
             <a:fld id="{9D63B7D8-1762-D641-8ED2-77E889CE9CA9}" type="datetimeFigureOut">
               <a:rPr lang="en-CH" smtClean="0"/>
-              <a:t>21.11.23</a:t>
+              <a:t>28.11.23</a:t>
             </a:fld>
             <a:endParaRPr lang="en-CH"/>
           </a:p>
@@ -2683,7 +2690,7 @@
           <a:p>
             <a:fld id="{9D63B7D8-1762-D641-8ED2-77E889CE9CA9}" type="datetimeFigureOut">
               <a:rPr lang="en-CH" smtClean="0"/>
-              <a:t>21.11.23</a:t>
+              <a:t>28.11.23</a:t>
             </a:fld>
             <a:endParaRPr lang="en-CH"/>
           </a:p>
@@ -2926,7 +2933,7 @@
           <a:p>
             <a:fld id="{9D63B7D8-1762-D641-8ED2-77E889CE9CA9}" type="datetimeFigureOut">
               <a:rPr lang="en-CH" smtClean="0"/>
-              <a:t>21.11.23</a:t>
+              <a:t>28.11.23</a:t>
             </a:fld>
             <a:endParaRPr lang="en-CH"/>
           </a:p>
@@ -3746,7 +3753,9 @@
             <a:prstGeom prst="rect">
               <a:avLst/>
             </a:prstGeom>
-            <a:grpFill/>
+            <a:solidFill>
+              <a:srgbClr val="941100"/>
+            </a:solidFill>
             <a:ln>
               <a:noFill/>
             </a:ln>
@@ -3796,7 +3805,7 @@
             <a:prstGeom prst="rect">
               <a:avLst/>
             </a:prstGeom>
-            <a:grpFill/>
+            <a:noFill/>
           </p:spPr>
           <p:txBody>
             <a:bodyPr wrap="none" rtlCol="0">
@@ -4074,6 +4083,1862 @@
 </file>
 
 <file path=ppt/slides/slide2.xml><?xml version="1.0" encoding="utf-8"?>
+<p:sld xmlns:a="http://schemas.openxmlformats.org/drawingml/2006/main" xmlns:r="http://schemas.openxmlformats.org/officeDocument/2006/relationships" xmlns:p="http://schemas.openxmlformats.org/presentationml/2006/main">
+  <p:cSld>
+    <p:bg>
+      <p:bgPr>
+        <a:solidFill>
+          <a:schemeClr val="bg1"/>
+        </a:solidFill>
+        <a:effectLst/>
+      </p:bgPr>
+    </p:bg>
+    <p:spTree>
+      <p:nvGrpSpPr>
+        <p:cNvPr id="1" name=""/>
+        <p:cNvGrpSpPr/>
+        <p:nvPr/>
+      </p:nvGrpSpPr>
+      <p:grpSpPr>
+        <a:xfrm>
+          <a:off x="0" y="0"/>
+          <a:ext cx="0" cy="0"/>
+          <a:chOff x="0" y="0"/>
+          <a:chExt cx="0" cy="0"/>
+        </a:xfrm>
+      </p:grpSpPr>
+      <p:grpSp>
+        <p:nvGrpSpPr>
+          <p:cNvPr id="6" name="Group 5">
+            <a:extLst>
+              <a:ext uri="{FF2B5EF4-FFF2-40B4-BE49-F238E27FC236}">
+                <a16:creationId xmlns:a16="http://schemas.microsoft.com/office/drawing/2014/main" id="{22174F85-31B2-1078-67A3-A19900E2CC66}"/>
+              </a:ext>
+            </a:extLst>
+          </p:cNvPr>
+          <p:cNvGrpSpPr>
+            <a:grpSpLocks noChangeAspect="1"/>
+          </p:cNvGrpSpPr>
+          <p:nvPr/>
+        </p:nvGrpSpPr>
+        <p:grpSpPr>
+          <a:xfrm>
+            <a:off x="319315" y="185003"/>
+            <a:ext cx="2188398" cy="2148968"/>
+            <a:chOff x="2061029" y="2104571"/>
+            <a:chExt cx="3222171" cy="3164115"/>
+          </a:xfrm>
+        </p:grpSpPr>
+        <p:sp>
+          <p:nvSpPr>
+            <p:cNvPr id="5" name="Rectangle 4">
+              <a:extLst>
+                <a:ext uri="{FF2B5EF4-FFF2-40B4-BE49-F238E27FC236}">
+                  <a16:creationId xmlns:a16="http://schemas.microsoft.com/office/drawing/2014/main" id="{29346DC3-6EFF-DB34-F0A2-5B3A7BD623B1}"/>
+                </a:ext>
+              </a:extLst>
+            </p:cNvPr>
+            <p:cNvSpPr/>
+            <p:nvPr/>
+          </p:nvSpPr>
+          <p:spPr>
+            <a:xfrm>
+              <a:off x="2061029" y="2104571"/>
+              <a:ext cx="3222171" cy="3164115"/>
+            </a:xfrm>
+            <a:prstGeom prst="rect">
+              <a:avLst/>
+            </a:prstGeom>
+            <a:solidFill>
+              <a:schemeClr val="accent2"/>
+            </a:solidFill>
+            <a:ln>
+              <a:noFill/>
+            </a:ln>
+          </p:spPr>
+          <p:style>
+            <a:lnRef idx="2">
+              <a:schemeClr val="accent1">
+                <a:shade val="15000"/>
+              </a:schemeClr>
+            </a:lnRef>
+            <a:fillRef idx="1">
+              <a:schemeClr val="accent1"/>
+            </a:fillRef>
+            <a:effectRef idx="0">
+              <a:schemeClr val="accent1"/>
+            </a:effectRef>
+            <a:fontRef idx="minor">
+              <a:schemeClr val="lt1"/>
+            </a:fontRef>
+          </p:style>
+          <p:txBody>
+            <a:bodyPr rtlCol="0" anchor="ctr"/>
+            <a:lstStyle/>
+            <a:p>
+              <a:pPr algn="ctr"/>
+              <a:endParaRPr lang="en-CH" sz="1400"/>
+            </a:p>
+          </p:txBody>
+        </p:sp>
+        <p:sp>
+          <p:nvSpPr>
+            <p:cNvPr id="4" name="TextBox 3">
+              <a:extLst>
+                <a:ext uri="{FF2B5EF4-FFF2-40B4-BE49-F238E27FC236}">
+                  <a16:creationId xmlns:a16="http://schemas.microsoft.com/office/drawing/2014/main" id="{3AF41667-1342-14AC-53FE-F006F69A9C71}"/>
+                </a:ext>
+              </a:extLst>
+            </p:cNvPr>
+            <p:cNvSpPr txBox="1"/>
+            <p:nvPr/>
+          </p:nvSpPr>
+          <p:spPr>
+            <a:xfrm>
+              <a:off x="2119087" y="2217003"/>
+              <a:ext cx="2103448" cy="951650"/>
+            </a:xfrm>
+            <a:prstGeom prst="rect">
+              <a:avLst/>
+            </a:prstGeom>
+            <a:noFill/>
+          </p:spPr>
+          <p:txBody>
+            <a:bodyPr wrap="none" rtlCol="0">
+              <a:spAutoFit/>
+            </a:bodyPr>
+            <a:lstStyle/>
+            <a:p>
+              <a:r>
+                <a:rPr lang="en-CH" b="1" dirty="0">
+                  <a:solidFill>
+                    <a:schemeClr val="bg1"/>
+                  </a:solidFill>
+                  <a:latin typeface="Helvetica" pitchFamily="2" charset="0"/>
+                </a:rPr>
+                <a:t>Suggested </a:t>
+              </a:r>
+            </a:p>
+            <a:p>
+              <a:r>
+                <a:rPr lang="en-CH" b="1" dirty="0">
+                  <a:solidFill>
+                    <a:schemeClr val="bg1"/>
+                  </a:solidFill>
+                  <a:latin typeface="Helvetica" pitchFamily="2" charset="0"/>
+                </a:rPr>
+                <a:t>Reading</a:t>
+              </a:r>
+            </a:p>
+          </p:txBody>
+        </p:sp>
+      </p:grpSp>
+      <p:grpSp>
+        <p:nvGrpSpPr>
+          <p:cNvPr id="7" name="Group 6">
+            <a:extLst>
+              <a:ext uri="{FF2B5EF4-FFF2-40B4-BE49-F238E27FC236}">
+                <a16:creationId xmlns:a16="http://schemas.microsoft.com/office/drawing/2014/main" id="{BDADEB88-1D5B-994A-DAEF-86D86274D9F1}"/>
+              </a:ext>
+            </a:extLst>
+          </p:cNvPr>
+          <p:cNvGrpSpPr>
+            <a:grpSpLocks noChangeAspect="1"/>
+          </p:cNvGrpSpPr>
+          <p:nvPr/>
+        </p:nvGrpSpPr>
+        <p:grpSpPr>
+          <a:xfrm>
+            <a:off x="2654663" y="185003"/>
+            <a:ext cx="2188398" cy="2148968"/>
+            <a:chOff x="2061029" y="2104571"/>
+            <a:chExt cx="3222171" cy="3164115"/>
+          </a:xfrm>
+        </p:grpSpPr>
+        <p:sp>
+          <p:nvSpPr>
+            <p:cNvPr id="8" name="Rectangle 7">
+              <a:extLst>
+                <a:ext uri="{FF2B5EF4-FFF2-40B4-BE49-F238E27FC236}">
+                  <a16:creationId xmlns:a16="http://schemas.microsoft.com/office/drawing/2014/main" id="{1EC36D14-2B61-A1A5-5DB7-0871AAC411BE}"/>
+                </a:ext>
+              </a:extLst>
+            </p:cNvPr>
+            <p:cNvSpPr/>
+            <p:nvPr/>
+          </p:nvSpPr>
+          <p:spPr>
+            <a:xfrm>
+              <a:off x="2061029" y="2104571"/>
+              <a:ext cx="3222171" cy="3164115"/>
+            </a:xfrm>
+            <a:prstGeom prst="rect">
+              <a:avLst/>
+            </a:prstGeom>
+            <a:solidFill>
+              <a:srgbClr val="0070C0"/>
+            </a:solidFill>
+            <a:ln>
+              <a:noFill/>
+            </a:ln>
+          </p:spPr>
+          <p:style>
+            <a:lnRef idx="2">
+              <a:schemeClr val="accent1">
+                <a:shade val="15000"/>
+              </a:schemeClr>
+            </a:lnRef>
+            <a:fillRef idx="1">
+              <a:schemeClr val="accent1"/>
+            </a:fillRef>
+            <a:effectRef idx="0">
+              <a:schemeClr val="accent1"/>
+            </a:effectRef>
+            <a:fontRef idx="minor">
+              <a:schemeClr val="lt1"/>
+            </a:fontRef>
+          </p:style>
+          <p:txBody>
+            <a:bodyPr rtlCol="0" anchor="ctr"/>
+            <a:lstStyle/>
+            <a:p>
+              <a:pPr algn="ctr"/>
+              <a:endParaRPr lang="en-CH" sz="1400" dirty="0"/>
+            </a:p>
+          </p:txBody>
+        </p:sp>
+        <p:sp>
+          <p:nvSpPr>
+            <p:cNvPr id="9" name="TextBox 8">
+              <a:extLst>
+                <a:ext uri="{FF2B5EF4-FFF2-40B4-BE49-F238E27FC236}">
+                  <a16:creationId xmlns:a16="http://schemas.microsoft.com/office/drawing/2014/main" id="{B383675D-69CB-8BB6-2202-E14D3E1DF9DD}"/>
+                </a:ext>
+              </a:extLst>
+            </p:cNvPr>
+            <p:cNvSpPr txBox="1"/>
+            <p:nvPr/>
+          </p:nvSpPr>
+          <p:spPr>
+            <a:xfrm>
+              <a:off x="2119087" y="2217003"/>
+              <a:ext cx="1744691" cy="543800"/>
+            </a:xfrm>
+            <a:prstGeom prst="rect">
+              <a:avLst/>
+            </a:prstGeom>
+            <a:noFill/>
+          </p:spPr>
+          <p:txBody>
+            <a:bodyPr wrap="none" rtlCol="0">
+              <a:spAutoFit/>
+            </a:bodyPr>
+            <a:lstStyle/>
+            <a:p>
+              <a:r>
+                <a:rPr lang="en-CH" b="1" dirty="0">
+                  <a:solidFill>
+                    <a:schemeClr val="bg1"/>
+                  </a:solidFill>
+                  <a:latin typeface="Helvetica" pitchFamily="2" charset="0"/>
+                </a:rPr>
+                <a:t>Standard</a:t>
+              </a:r>
+            </a:p>
+          </p:txBody>
+        </p:sp>
+      </p:grpSp>
+      <p:grpSp>
+        <p:nvGrpSpPr>
+          <p:cNvPr id="10" name="Group 9">
+            <a:extLst>
+              <a:ext uri="{FF2B5EF4-FFF2-40B4-BE49-F238E27FC236}">
+                <a16:creationId xmlns:a16="http://schemas.microsoft.com/office/drawing/2014/main" id="{CB5C09D8-B81E-9825-21DF-AB17E46618F5}"/>
+              </a:ext>
+            </a:extLst>
+          </p:cNvPr>
+          <p:cNvGrpSpPr>
+            <a:grpSpLocks noChangeAspect="1"/>
+          </p:cNvGrpSpPr>
+          <p:nvPr/>
+        </p:nvGrpSpPr>
+        <p:grpSpPr>
+          <a:xfrm>
+            <a:off x="5001801" y="185003"/>
+            <a:ext cx="2188398" cy="2148968"/>
+            <a:chOff x="2061029" y="2104571"/>
+            <a:chExt cx="3222171" cy="3164115"/>
+          </a:xfrm>
+        </p:grpSpPr>
+        <p:sp>
+          <p:nvSpPr>
+            <p:cNvPr id="11" name="Rectangle 10">
+              <a:extLst>
+                <a:ext uri="{FF2B5EF4-FFF2-40B4-BE49-F238E27FC236}">
+                  <a16:creationId xmlns:a16="http://schemas.microsoft.com/office/drawing/2014/main" id="{012E7E94-1111-5E95-5A07-ADE42D4FC8E5}"/>
+                </a:ext>
+              </a:extLst>
+            </p:cNvPr>
+            <p:cNvSpPr/>
+            <p:nvPr/>
+          </p:nvSpPr>
+          <p:spPr>
+            <a:xfrm>
+              <a:off x="2061029" y="2104571"/>
+              <a:ext cx="3222171" cy="3164115"/>
+            </a:xfrm>
+            <a:prstGeom prst="rect">
+              <a:avLst/>
+            </a:prstGeom>
+            <a:solidFill>
+              <a:schemeClr val="accent6">
+                <a:lumMod val="75000"/>
+              </a:schemeClr>
+            </a:solidFill>
+            <a:ln>
+              <a:noFill/>
+            </a:ln>
+          </p:spPr>
+          <p:style>
+            <a:lnRef idx="2">
+              <a:schemeClr val="accent1">
+                <a:shade val="15000"/>
+              </a:schemeClr>
+            </a:lnRef>
+            <a:fillRef idx="1">
+              <a:schemeClr val="accent1"/>
+            </a:fillRef>
+            <a:effectRef idx="0">
+              <a:schemeClr val="accent1"/>
+            </a:effectRef>
+            <a:fontRef idx="minor">
+              <a:schemeClr val="lt1"/>
+            </a:fontRef>
+          </p:style>
+          <p:txBody>
+            <a:bodyPr rtlCol="0" anchor="ctr"/>
+            <a:lstStyle/>
+            <a:p>
+              <a:pPr algn="ctr"/>
+              <a:endParaRPr lang="en-CH" sz="1400"/>
+            </a:p>
+          </p:txBody>
+        </p:sp>
+        <p:sp>
+          <p:nvSpPr>
+            <p:cNvPr id="12" name="TextBox 11">
+              <a:extLst>
+                <a:ext uri="{FF2B5EF4-FFF2-40B4-BE49-F238E27FC236}">
+                  <a16:creationId xmlns:a16="http://schemas.microsoft.com/office/drawing/2014/main" id="{3F2E15CF-EA6D-FC5F-6DBA-4C539646CA05}"/>
+                </a:ext>
+              </a:extLst>
+            </p:cNvPr>
+            <p:cNvSpPr txBox="1"/>
+            <p:nvPr/>
+          </p:nvSpPr>
+          <p:spPr>
+            <a:xfrm>
+              <a:off x="2119087" y="2217003"/>
+              <a:ext cx="1367052" cy="543800"/>
+            </a:xfrm>
+            <a:prstGeom prst="rect">
+              <a:avLst/>
+            </a:prstGeom>
+            <a:noFill/>
+          </p:spPr>
+          <p:txBody>
+            <a:bodyPr wrap="none" rtlCol="0">
+              <a:spAutoFit/>
+            </a:bodyPr>
+            <a:lstStyle/>
+            <a:p>
+              <a:r>
+                <a:rPr lang="en-CH" b="1" dirty="0">
+                  <a:solidFill>
+                    <a:schemeClr val="bg1"/>
+                  </a:solidFill>
+                  <a:latin typeface="Helvetica" pitchFamily="2" charset="0"/>
+                </a:rPr>
+                <a:t>Report</a:t>
+              </a:r>
+            </a:p>
+          </p:txBody>
+        </p:sp>
+      </p:grpSp>
+      <p:grpSp>
+        <p:nvGrpSpPr>
+          <p:cNvPr id="13" name="Group 12">
+            <a:extLst>
+              <a:ext uri="{FF2B5EF4-FFF2-40B4-BE49-F238E27FC236}">
+                <a16:creationId xmlns:a16="http://schemas.microsoft.com/office/drawing/2014/main" id="{20421C82-3587-1070-11BC-6350F2097032}"/>
+              </a:ext>
+            </a:extLst>
+          </p:cNvPr>
+          <p:cNvGrpSpPr>
+            <a:grpSpLocks noChangeAspect="1"/>
+          </p:cNvGrpSpPr>
+          <p:nvPr/>
+        </p:nvGrpSpPr>
+        <p:grpSpPr>
+          <a:xfrm>
+            <a:off x="319315" y="2434400"/>
+            <a:ext cx="2188398" cy="2148968"/>
+            <a:chOff x="2061029" y="2104571"/>
+            <a:chExt cx="3222171" cy="3164115"/>
+          </a:xfrm>
+          <a:solidFill>
+            <a:srgbClr val="FF0000"/>
+          </a:solidFill>
+        </p:grpSpPr>
+        <p:sp>
+          <p:nvSpPr>
+            <p:cNvPr id="14" name="Rectangle 13">
+              <a:extLst>
+                <a:ext uri="{FF2B5EF4-FFF2-40B4-BE49-F238E27FC236}">
+                  <a16:creationId xmlns:a16="http://schemas.microsoft.com/office/drawing/2014/main" id="{1077456C-CE90-DAAE-9AFF-040431017E27}"/>
+                </a:ext>
+              </a:extLst>
+            </p:cNvPr>
+            <p:cNvSpPr/>
+            <p:nvPr/>
+          </p:nvSpPr>
+          <p:spPr>
+            <a:xfrm>
+              <a:off x="2061029" y="2104571"/>
+              <a:ext cx="3222171" cy="3164115"/>
+            </a:xfrm>
+            <a:prstGeom prst="rect">
+              <a:avLst/>
+            </a:prstGeom>
+            <a:solidFill>
+              <a:srgbClr val="941100"/>
+            </a:solidFill>
+            <a:ln>
+              <a:noFill/>
+            </a:ln>
+          </p:spPr>
+          <p:style>
+            <a:lnRef idx="2">
+              <a:schemeClr val="accent1">
+                <a:shade val="15000"/>
+              </a:schemeClr>
+            </a:lnRef>
+            <a:fillRef idx="1">
+              <a:schemeClr val="accent1"/>
+            </a:fillRef>
+            <a:effectRef idx="0">
+              <a:schemeClr val="accent1"/>
+            </a:effectRef>
+            <a:fontRef idx="minor">
+              <a:schemeClr val="lt1"/>
+            </a:fontRef>
+          </p:style>
+          <p:txBody>
+            <a:bodyPr rtlCol="0" anchor="ctr"/>
+            <a:lstStyle/>
+            <a:p>
+              <a:pPr algn="ctr"/>
+              <a:endParaRPr lang="en-CH" sz="1400"/>
+            </a:p>
+          </p:txBody>
+        </p:sp>
+        <p:sp>
+          <p:nvSpPr>
+            <p:cNvPr id="15" name="TextBox 14">
+              <a:extLst>
+                <a:ext uri="{FF2B5EF4-FFF2-40B4-BE49-F238E27FC236}">
+                  <a16:creationId xmlns:a16="http://schemas.microsoft.com/office/drawing/2014/main" id="{C8528810-2DF1-0014-0C32-9C465E266427}"/>
+                </a:ext>
+              </a:extLst>
+            </p:cNvPr>
+            <p:cNvSpPr txBox="1"/>
+            <p:nvPr/>
+          </p:nvSpPr>
+          <p:spPr>
+            <a:xfrm>
+              <a:off x="2119087" y="2217003"/>
+              <a:ext cx="2273385" cy="951650"/>
+            </a:xfrm>
+            <a:prstGeom prst="rect">
+              <a:avLst/>
+            </a:prstGeom>
+            <a:noFill/>
+          </p:spPr>
+          <p:txBody>
+            <a:bodyPr wrap="none" rtlCol="0">
+              <a:spAutoFit/>
+            </a:bodyPr>
+            <a:lstStyle/>
+            <a:p>
+              <a:r>
+                <a:rPr lang="en-CH" b="1" dirty="0">
+                  <a:solidFill>
+                    <a:schemeClr val="bg1"/>
+                  </a:solidFill>
+                  <a:latin typeface="Helvetica" pitchFamily="2" charset="0"/>
+                </a:rPr>
+                <a:t>Assessment</a:t>
+              </a:r>
+            </a:p>
+            <a:p>
+              <a:r>
+                <a:rPr lang="en-CH" b="1" dirty="0">
+                  <a:solidFill>
+                    <a:schemeClr val="bg1"/>
+                  </a:solidFill>
+                  <a:latin typeface="Helvetica" pitchFamily="2" charset="0"/>
+                </a:rPr>
+                <a:t>Tool</a:t>
+              </a:r>
+            </a:p>
+          </p:txBody>
+        </p:sp>
+      </p:grpSp>
+      <p:grpSp>
+        <p:nvGrpSpPr>
+          <p:cNvPr id="16" name="Group 15">
+            <a:extLst>
+              <a:ext uri="{FF2B5EF4-FFF2-40B4-BE49-F238E27FC236}">
+                <a16:creationId xmlns:a16="http://schemas.microsoft.com/office/drawing/2014/main" id="{12FEC487-2E12-AA8E-8023-6D503BD5DDAC}"/>
+              </a:ext>
+            </a:extLst>
+          </p:cNvPr>
+          <p:cNvGrpSpPr>
+            <a:grpSpLocks noChangeAspect="1"/>
+          </p:cNvGrpSpPr>
+          <p:nvPr/>
+        </p:nvGrpSpPr>
+        <p:grpSpPr>
+          <a:xfrm>
+            <a:off x="2654663" y="2434400"/>
+            <a:ext cx="2188398" cy="2148968"/>
+            <a:chOff x="2061029" y="2104571"/>
+            <a:chExt cx="3222171" cy="3164115"/>
+          </a:xfrm>
+          <a:solidFill>
+            <a:schemeClr val="bg2">
+              <a:lumMod val="50000"/>
+            </a:schemeClr>
+          </a:solidFill>
+        </p:grpSpPr>
+        <p:sp>
+          <p:nvSpPr>
+            <p:cNvPr id="17" name="Rectangle 16">
+              <a:extLst>
+                <a:ext uri="{FF2B5EF4-FFF2-40B4-BE49-F238E27FC236}">
+                  <a16:creationId xmlns:a16="http://schemas.microsoft.com/office/drawing/2014/main" id="{B25C1D33-F47A-216A-DD1E-B0F64F70CD71}"/>
+                </a:ext>
+              </a:extLst>
+            </p:cNvPr>
+            <p:cNvSpPr/>
+            <p:nvPr/>
+          </p:nvSpPr>
+          <p:spPr>
+            <a:xfrm>
+              <a:off x="2061029" y="2104571"/>
+              <a:ext cx="3222171" cy="3164115"/>
+            </a:xfrm>
+            <a:prstGeom prst="rect">
+              <a:avLst/>
+            </a:prstGeom>
+            <a:grpFill/>
+            <a:ln>
+              <a:noFill/>
+            </a:ln>
+          </p:spPr>
+          <p:style>
+            <a:lnRef idx="2">
+              <a:schemeClr val="accent1">
+                <a:shade val="15000"/>
+              </a:schemeClr>
+            </a:lnRef>
+            <a:fillRef idx="1">
+              <a:schemeClr val="accent1"/>
+            </a:fillRef>
+            <a:effectRef idx="0">
+              <a:schemeClr val="accent1"/>
+            </a:effectRef>
+            <a:fontRef idx="minor">
+              <a:schemeClr val="lt1"/>
+            </a:fontRef>
+          </p:style>
+          <p:txBody>
+            <a:bodyPr rtlCol="0" anchor="ctr"/>
+            <a:lstStyle/>
+            <a:p>
+              <a:pPr algn="ctr"/>
+              <a:endParaRPr lang="en-CH" sz="1400"/>
+            </a:p>
+          </p:txBody>
+        </p:sp>
+        <p:sp>
+          <p:nvSpPr>
+            <p:cNvPr id="18" name="TextBox 17">
+              <a:extLst>
+                <a:ext uri="{FF2B5EF4-FFF2-40B4-BE49-F238E27FC236}">
+                  <a16:creationId xmlns:a16="http://schemas.microsoft.com/office/drawing/2014/main" id="{637210FD-9A8C-EC4D-E7D2-BD78A5B3B3DF}"/>
+                </a:ext>
+              </a:extLst>
+            </p:cNvPr>
+            <p:cNvSpPr txBox="1"/>
+            <p:nvPr/>
+          </p:nvSpPr>
+          <p:spPr>
+            <a:xfrm>
+              <a:off x="2119087" y="2217003"/>
+              <a:ext cx="1518107" cy="543800"/>
+            </a:xfrm>
+            <a:prstGeom prst="rect">
+              <a:avLst/>
+            </a:prstGeom>
+            <a:grpFill/>
+          </p:spPr>
+          <p:txBody>
+            <a:bodyPr wrap="none" rtlCol="0">
+              <a:spAutoFit/>
+            </a:bodyPr>
+            <a:lstStyle/>
+            <a:p>
+              <a:r>
+                <a:rPr lang="en-CH" b="1" dirty="0">
+                  <a:solidFill>
+                    <a:schemeClr val="bg1"/>
+                  </a:solidFill>
+                  <a:latin typeface="Helvetica" pitchFamily="2" charset="0"/>
+                </a:rPr>
+                <a:t>Catalog</a:t>
+              </a:r>
+            </a:p>
+          </p:txBody>
+        </p:sp>
+      </p:grpSp>
+      <p:grpSp>
+        <p:nvGrpSpPr>
+          <p:cNvPr id="19" name="Group 18">
+            <a:extLst>
+              <a:ext uri="{FF2B5EF4-FFF2-40B4-BE49-F238E27FC236}">
+                <a16:creationId xmlns:a16="http://schemas.microsoft.com/office/drawing/2014/main" id="{16B41A88-6F17-4FB6-0C72-800D52FC145B}"/>
+              </a:ext>
+            </a:extLst>
+          </p:cNvPr>
+          <p:cNvGrpSpPr>
+            <a:grpSpLocks noChangeAspect="1"/>
+          </p:cNvGrpSpPr>
+          <p:nvPr/>
+        </p:nvGrpSpPr>
+        <p:grpSpPr>
+          <a:xfrm>
+            <a:off x="5001801" y="2434400"/>
+            <a:ext cx="2188398" cy="2148968"/>
+            <a:chOff x="2061029" y="2104571"/>
+            <a:chExt cx="3222171" cy="3164115"/>
+          </a:xfrm>
+          <a:solidFill>
+            <a:schemeClr val="accent4">
+              <a:lumMod val="75000"/>
+            </a:schemeClr>
+          </a:solidFill>
+        </p:grpSpPr>
+        <p:sp>
+          <p:nvSpPr>
+            <p:cNvPr id="20" name="Rectangle 19">
+              <a:extLst>
+                <a:ext uri="{FF2B5EF4-FFF2-40B4-BE49-F238E27FC236}">
+                  <a16:creationId xmlns:a16="http://schemas.microsoft.com/office/drawing/2014/main" id="{AFDE8690-A1D1-6DD7-7F72-CA29A582C105}"/>
+                </a:ext>
+              </a:extLst>
+            </p:cNvPr>
+            <p:cNvSpPr/>
+            <p:nvPr/>
+          </p:nvSpPr>
+          <p:spPr>
+            <a:xfrm>
+              <a:off x="2061029" y="2104571"/>
+              <a:ext cx="3222171" cy="3164115"/>
+            </a:xfrm>
+            <a:prstGeom prst="rect">
+              <a:avLst/>
+            </a:prstGeom>
+            <a:grpFill/>
+            <a:ln>
+              <a:noFill/>
+            </a:ln>
+          </p:spPr>
+          <p:style>
+            <a:lnRef idx="2">
+              <a:schemeClr val="accent1">
+                <a:shade val="15000"/>
+              </a:schemeClr>
+            </a:lnRef>
+            <a:fillRef idx="1">
+              <a:schemeClr val="accent1"/>
+            </a:fillRef>
+            <a:effectRef idx="0">
+              <a:schemeClr val="accent1"/>
+            </a:effectRef>
+            <a:fontRef idx="minor">
+              <a:schemeClr val="lt1"/>
+            </a:fontRef>
+          </p:style>
+          <p:txBody>
+            <a:bodyPr rtlCol="0" anchor="ctr"/>
+            <a:lstStyle/>
+            <a:p>
+              <a:pPr algn="ctr"/>
+              <a:endParaRPr lang="en-CH" sz="1400"/>
+            </a:p>
+          </p:txBody>
+        </p:sp>
+        <p:sp>
+          <p:nvSpPr>
+            <p:cNvPr id="21" name="TextBox 20">
+              <a:extLst>
+                <a:ext uri="{FF2B5EF4-FFF2-40B4-BE49-F238E27FC236}">
+                  <a16:creationId xmlns:a16="http://schemas.microsoft.com/office/drawing/2014/main" id="{50CB80DE-2A0B-3DC3-E449-E872CBA848F5}"/>
+                </a:ext>
+              </a:extLst>
+            </p:cNvPr>
+            <p:cNvSpPr txBox="1"/>
+            <p:nvPr/>
+          </p:nvSpPr>
+          <p:spPr>
+            <a:xfrm>
+              <a:off x="2119087" y="2217003"/>
+              <a:ext cx="2348914" cy="543800"/>
+            </a:xfrm>
+            <a:prstGeom prst="rect">
+              <a:avLst/>
+            </a:prstGeom>
+            <a:grpFill/>
+          </p:spPr>
+          <p:txBody>
+            <a:bodyPr wrap="none" rtlCol="0">
+              <a:spAutoFit/>
+            </a:bodyPr>
+            <a:lstStyle/>
+            <a:p>
+              <a:r>
+                <a:rPr lang="en-CH" b="1" dirty="0">
+                  <a:solidFill>
+                    <a:schemeClr val="bg1"/>
+                  </a:solidFill>
+                  <a:latin typeface="Helvetica" pitchFamily="2" charset="0"/>
+                </a:rPr>
+                <a:t>Organization</a:t>
+              </a:r>
+            </a:p>
+          </p:txBody>
+        </p:sp>
+      </p:grpSp>
+      <p:grpSp>
+        <p:nvGrpSpPr>
+          <p:cNvPr id="22" name="Group 21">
+            <a:extLst>
+              <a:ext uri="{FF2B5EF4-FFF2-40B4-BE49-F238E27FC236}">
+                <a16:creationId xmlns:a16="http://schemas.microsoft.com/office/drawing/2014/main" id="{109F442B-EC97-DF0B-21C1-BFC15CCE6ACB}"/>
+              </a:ext>
+            </a:extLst>
+          </p:cNvPr>
+          <p:cNvGrpSpPr>
+            <a:grpSpLocks noChangeAspect="1"/>
+          </p:cNvGrpSpPr>
+          <p:nvPr/>
+        </p:nvGrpSpPr>
+        <p:grpSpPr>
+          <a:xfrm>
+            <a:off x="7312706" y="188143"/>
+            <a:ext cx="2185200" cy="2145828"/>
+            <a:chOff x="2061029" y="2104571"/>
+            <a:chExt cx="3222171" cy="3164115"/>
+          </a:xfrm>
+        </p:grpSpPr>
+        <p:sp>
+          <p:nvSpPr>
+            <p:cNvPr id="23" name="Rectangle 22">
+              <a:extLst>
+                <a:ext uri="{FF2B5EF4-FFF2-40B4-BE49-F238E27FC236}">
+                  <a16:creationId xmlns:a16="http://schemas.microsoft.com/office/drawing/2014/main" id="{2A857503-A77B-F621-0590-37C4447FD3FC}"/>
+                </a:ext>
+              </a:extLst>
+            </p:cNvPr>
+            <p:cNvSpPr/>
+            <p:nvPr/>
+          </p:nvSpPr>
+          <p:spPr>
+            <a:xfrm>
+              <a:off x="2061029" y="2104571"/>
+              <a:ext cx="3222171" cy="3164115"/>
+            </a:xfrm>
+            <a:prstGeom prst="rect">
+              <a:avLst/>
+            </a:prstGeom>
+            <a:solidFill>
+              <a:srgbClr val="7030A0"/>
+            </a:solidFill>
+            <a:ln>
+              <a:noFill/>
+            </a:ln>
+          </p:spPr>
+          <p:style>
+            <a:lnRef idx="2">
+              <a:schemeClr val="accent1">
+                <a:shade val="15000"/>
+              </a:schemeClr>
+            </a:lnRef>
+            <a:fillRef idx="1">
+              <a:schemeClr val="accent1"/>
+            </a:fillRef>
+            <a:effectRef idx="0">
+              <a:schemeClr val="accent1"/>
+            </a:effectRef>
+            <a:fontRef idx="minor">
+              <a:schemeClr val="lt1"/>
+            </a:fontRef>
+          </p:style>
+          <p:txBody>
+            <a:bodyPr rtlCol="0" anchor="ctr"/>
+            <a:lstStyle/>
+            <a:p>
+              <a:pPr algn="ctr"/>
+              <a:endParaRPr lang="en-CH" sz="1600"/>
+            </a:p>
+          </p:txBody>
+        </p:sp>
+        <p:sp>
+          <p:nvSpPr>
+            <p:cNvPr id="24" name="TextBox 23">
+              <a:extLst>
+                <a:ext uri="{FF2B5EF4-FFF2-40B4-BE49-F238E27FC236}">
+                  <a16:creationId xmlns:a16="http://schemas.microsoft.com/office/drawing/2014/main" id="{005419EB-DA91-0F53-4260-A4F2A3507F94}"/>
+                </a:ext>
+              </a:extLst>
+            </p:cNvPr>
+            <p:cNvSpPr txBox="1"/>
+            <p:nvPr/>
+          </p:nvSpPr>
+          <p:spPr>
+            <a:xfrm>
+              <a:off x="2119086" y="2217003"/>
+              <a:ext cx="2808546" cy="499212"/>
+            </a:xfrm>
+            <a:prstGeom prst="rect">
+              <a:avLst/>
+            </a:prstGeom>
+            <a:noFill/>
+          </p:spPr>
+          <p:txBody>
+            <a:bodyPr wrap="none" rtlCol="0">
+              <a:spAutoFit/>
+            </a:bodyPr>
+            <a:lstStyle/>
+            <a:p>
+              <a:r>
+                <a:rPr lang="en-CH" sz="1600" b="1" dirty="0">
+                  <a:solidFill>
+                    <a:schemeClr val="bg1"/>
+                  </a:solidFill>
+                  <a:latin typeface="Helvetica" pitchFamily="2" charset="0"/>
+                </a:rPr>
+                <a:t>Recommendation</a:t>
+              </a:r>
+            </a:p>
+          </p:txBody>
+        </p:sp>
+      </p:grpSp>
+      <p:grpSp>
+        <p:nvGrpSpPr>
+          <p:cNvPr id="25" name="Group 24">
+            <a:extLst>
+              <a:ext uri="{FF2B5EF4-FFF2-40B4-BE49-F238E27FC236}">
+                <a16:creationId xmlns:a16="http://schemas.microsoft.com/office/drawing/2014/main" id="{0C42902F-06D9-8041-9AC7-00DD434AB5F0}"/>
+              </a:ext>
+            </a:extLst>
+          </p:cNvPr>
+          <p:cNvGrpSpPr>
+            <a:grpSpLocks noChangeAspect="1"/>
+          </p:cNvGrpSpPr>
+          <p:nvPr/>
+        </p:nvGrpSpPr>
+        <p:grpSpPr>
+          <a:xfrm>
+            <a:off x="7312706" y="2437540"/>
+            <a:ext cx="2185200" cy="2145828"/>
+            <a:chOff x="2061029" y="2104571"/>
+            <a:chExt cx="3222171" cy="3164115"/>
+          </a:xfrm>
+        </p:grpSpPr>
+        <p:sp>
+          <p:nvSpPr>
+            <p:cNvPr id="26" name="Rectangle 25">
+              <a:extLst>
+                <a:ext uri="{FF2B5EF4-FFF2-40B4-BE49-F238E27FC236}">
+                  <a16:creationId xmlns:a16="http://schemas.microsoft.com/office/drawing/2014/main" id="{0BD0D177-0320-8EBC-1912-411D2DDD20EE}"/>
+                </a:ext>
+              </a:extLst>
+            </p:cNvPr>
+            <p:cNvSpPr/>
+            <p:nvPr/>
+          </p:nvSpPr>
+          <p:spPr>
+            <a:xfrm>
+              <a:off x="2061029" y="2104571"/>
+              <a:ext cx="3222171" cy="3164115"/>
+            </a:xfrm>
+            <a:prstGeom prst="rect">
+              <a:avLst/>
+            </a:prstGeom>
+            <a:solidFill>
+              <a:schemeClr val="accent2">
+                <a:lumMod val="50000"/>
+              </a:schemeClr>
+            </a:solidFill>
+            <a:ln>
+              <a:noFill/>
+            </a:ln>
+          </p:spPr>
+          <p:style>
+            <a:lnRef idx="2">
+              <a:schemeClr val="accent1">
+                <a:shade val="15000"/>
+              </a:schemeClr>
+            </a:lnRef>
+            <a:fillRef idx="1">
+              <a:schemeClr val="accent1"/>
+            </a:fillRef>
+            <a:effectRef idx="0">
+              <a:schemeClr val="accent1"/>
+            </a:effectRef>
+            <a:fontRef idx="minor">
+              <a:schemeClr val="lt1"/>
+            </a:fontRef>
+          </p:style>
+          <p:txBody>
+            <a:bodyPr rtlCol="0" anchor="ctr"/>
+            <a:lstStyle/>
+            <a:p>
+              <a:pPr algn="ctr"/>
+              <a:endParaRPr lang="en-CH" sz="1600" dirty="0"/>
+            </a:p>
+          </p:txBody>
+        </p:sp>
+        <p:sp>
+          <p:nvSpPr>
+            <p:cNvPr id="27" name="TextBox 26">
+              <a:extLst>
+                <a:ext uri="{FF2B5EF4-FFF2-40B4-BE49-F238E27FC236}">
+                  <a16:creationId xmlns:a16="http://schemas.microsoft.com/office/drawing/2014/main" id="{0F625864-F2EF-47D3-CCD7-288767CD55BF}"/>
+                </a:ext>
+              </a:extLst>
+            </p:cNvPr>
+            <p:cNvSpPr txBox="1"/>
+            <p:nvPr/>
+          </p:nvSpPr>
+          <p:spPr>
+            <a:xfrm>
+              <a:off x="2119086" y="2217003"/>
+              <a:ext cx="1834701" cy="499212"/>
+            </a:xfrm>
+            <a:prstGeom prst="rect">
+              <a:avLst/>
+            </a:prstGeom>
+            <a:noFill/>
+          </p:spPr>
+          <p:txBody>
+            <a:bodyPr wrap="none" rtlCol="0">
+              <a:spAutoFit/>
+            </a:bodyPr>
+            <a:lstStyle/>
+            <a:p>
+              <a:r>
+                <a:rPr lang="en-CH" sz="1600" b="1" dirty="0">
+                  <a:solidFill>
+                    <a:schemeClr val="bg1"/>
+                  </a:solidFill>
+                  <a:latin typeface="Helvetica" pitchFamily="2" charset="0"/>
+                </a:rPr>
+                <a:t>Regulation</a:t>
+              </a:r>
+            </a:p>
+          </p:txBody>
+        </p:sp>
+      </p:grpSp>
+      <p:grpSp>
+        <p:nvGrpSpPr>
+          <p:cNvPr id="28" name="Group 27">
+            <a:extLst>
+              <a:ext uri="{FF2B5EF4-FFF2-40B4-BE49-F238E27FC236}">
+                <a16:creationId xmlns:a16="http://schemas.microsoft.com/office/drawing/2014/main" id="{C391470E-A60C-751D-2160-3FF5EB940E2B}"/>
+              </a:ext>
+            </a:extLst>
+          </p:cNvPr>
+          <p:cNvGrpSpPr>
+            <a:grpSpLocks noChangeAspect="1"/>
+          </p:cNvGrpSpPr>
+          <p:nvPr/>
+        </p:nvGrpSpPr>
+        <p:grpSpPr>
+          <a:xfrm>
+            <a:off x="9620413" y="185003"/>
+            <a:ext cx="2185200" cy="2145828"/>
+            <a:chOff x="2061029" y="2104571"/>
+            <a:chExt cx="3222171" cy="3164115"/>
+          </a:xfrm>
+        </p:grpSpPr>
+        <p:sp>
+          <p:nvSpPr>
+            <p:cNvPr id="29" name="Rectangle 28">
+              <a:extLst>
+                <a:ext uri="{FF2B5EF4-FFF2-40B4-BE49-F238E27FC236}">
+                  <a16:creationId xmlns:a16="http://schemas.microsoft.com/office/drawing/2014/main" id="{F2080B9B-CF95-C123-0818-8906E1F193E6}"/>
+                </a:ext>
+              </a:extLst>
+            </p:cNvPr>
+            <p:cNvSpPr/>
+            <p:nvPr/>
+          </p:nvSpPr>
+          <p:spPr>
+            <a:xfrm>
+              <a:off x="2061029" y="2104571"/>
+              <a:ext cx="3222171" cy="3164115"/>
+            </a:xfrm>
+            <a:prstGeom prst="rect">
+              <a:avLst/>
+            </a:prstGeom>
+            <a:solidFill>
+              <a:schemeClr val="tx2">
+                <a:lumMod val="60000"/>
+                <a:lumOff val="40000"/>
+              </a:schemeClr>
+            </a:solidFill>
+            <a:ln>
+              <a:noFill/>
+            </a:ln>
+          </p:spPr>
+          <p:style>
+            <a:lnRef idx="2">
+              <a:schemeClr val="accent1">
+                <a:shade val="15000"/>
+              </a:schemeClr>
+            </a:lnRef>
+            <a:fillRef idx="1">
+              <a:schemeClr val="accent1"/>
+            </a:fillRef>
+            <a:effectRef idx="0">
+              <a:schemeClr val="accent1"/>
+            </a:effectRef>
+            <a:fontRef idx="minor">
+              <a:schemeClr val="lt1"/>
+            </a:fontRef>
+          </p:style>
+          <p:txBody>
+            <a:bodyPr rtlCol="0" anchor="ctr"/>
+            <a:lstStyle/>
+            <a:p>
+              <a:pPr algn="ctr"/>
+              <a:endParaRPr lang="en-CH" sz="1600"/>
+            </a:p>
+          </p:txBody>
+        </p:sp>
+        <p:sp>
+          <p:nvSpPr>
+            <p:cNvPr id="30" name="TextBox 29">
+              <a:extLst>
+                <a:ext uri="{FF2B5EF4-FFF2-40B4-BE49-F238E27FC236}">
+                  <a16:creationId xmlns:a16="http://schemas.microsoft.com/office/drawing/2014/main" id="{B37AEBE3-2EA6-BE99-FA66-F0559F0809D7}"/>
+                </a:ext>
+              </a:extLst>
+            </p:cNvPr>
+            <p:cNvSpPr txBox="1"/>
+            <p:nvPr/>
+          </p:nvSpPr>
+          <p:spPr>
+            <a:xfrm>
+              <a:off x="2119086" y="2217003"/>
+              <a:ext cx="2805141" cy="499212"/>
+            </a:xfrm>
+            <a:prstGeom prst="rect">
+              <a:avLst/>
+            </a:prstGeom>
+            <a:noFill/>
+          </p:spPr>
+          <p:txBody>
+            <a:bodyPr wrap="none" rtlCol="0">
+              <a:spAutoFit/>
+            </a:bodyPr>
+            <a:lstStyle/>
+            <a:p>
+              <a:r>
+                <a:rPr lang="en-CH" sz="1600" b="1" dirty="0">
+                  <a:solidFill>
+                    <a:schemeClr val="bg1"/>
+                  </a:solidFill>
+                  <a:latin typeface="Helvetica" pitchFamily="2" charset="0"/>
+                </a:rPr>
+                <a:t>Technical Method</a:t>
+              </a:r>
+            </a:p>
+          </p:txBody>
+        </p:sp>
+      </p:grpSp>
+    </p:spTree>
+    <p:extLst>
+      <p:ext uri="{BB962C8B-B14F-4D97-AF65-F5344CB8AC3E}">
+        <p14:creationId xmlns:p14="http://schemas.microsoft.com/office/powerpoint/2010/main" val="4269793188"/>
+      </p:ext>
+    </p:extLst>
+  </p:cSld>
+  <p:clrMapOvr>
+    <a:masterClrMapping/>
+  </p:clrMapOvr>
+</p:sld>
+</file>
+
+<file path=ppt/slides/slide3.xml><?xml version="1.0" encoding="utf-8"?>
+<p:sld xmlns:a="http://schemas.openxmlformats.org/drawingml/2006/main" xmlns:r="http://schemas.openxmlformats.org/officeDocument/2006/relationships" xmlns:p="http://schemas.openxmlformats.org/presentationml/2006/main">
+  <p:cSld>
+    <p:bg>
+      <p:bgPr>
+        <a:solidFill>
+          <a:schemeClr val="bg1"/>
+        </a:solidFill>
+        <a:effectLst/>
+      </p:bgPr>
+    </p:bg>
+    <p:spTree>
+      <p:nvGrpSpPr>
+        <p:cNvPr id="1" name=""/>
+        <p:cNvGrpSpPr/>
+        <p:nvPr/>
+      </p:nvGrpSpPr>
+      <p:grpSpPr>
+        <a:xfrm>
+          <a:off x="0" y="0"/>
+          <a:ext cx="0" cy="0"/>
+          <a:chOff x="0" y="0"/>
+          <a:chExt cx="0" cy="0"/>
+        </a:xfrm>
+      </p:grpSpPr>
+      <p:grpSp>
+        <p:nvGrpSpPr>
+          <p:cNvPr id="6" name="Group 5">
+            <a:extLst>
+              <a:ext uri="{FF2B5EF4-FFF2-40B4-BE49-F238E27FC236}">
+                <a16:creationId xmlns:a16="http://schemas.microsoft.com/office/drawing/2014/main" id="{22174F85-31B2-1078-67A3-A19900E2CC66}"/>
+              </a:ext>
+            </a:extLst>
+          </p:cNvPr>
+          <p:cNvGrpSpPr>
+            <a:grpSpLocks noChangeAspect="1"/>
+          </p:cNvGrpSpPr>
+          <p:nvPr/>
+        </p:nvGrpSpPr>
+        <p:grpSpPr>
+          <a:xfrm>
+            <a:off x="319314" y="185001"/>
+            <a:ext cx="2185200" cy="2145828"/>
+            <a:chOff x="2061029" y="2104571"/>
+            <a:chExt cx="3222171" cy="3164115"/>
+          </a:xfrm>
+        </p:grpSpPr>
+        <p:sp>
+          <p:nvSpPr>
+            <p:cNvPr id="5" name="Rectangle 4">
+              <a:extLst>
+                <a:ext uri="{FF2B5EF4-FFF2-40B4-BE49-F238E27FC236}">
+                  <a16:creationId xmlns:a16="http://schemas.microsoft.com/office/drawing/2014/main" id="{29346DC3-6EFF-DB34-F0A2-5B3A7BD623B1}"/>
+                </a:ext>
+              </a:extLst>
+            </p:cNvPr>
+            <p:cNvSpPr/>
+            <p:nvPr/>
+          </p:nvSpPr>
+          <p:spPr>
+            <a:xfrm>
+              <a:off x="2061029" y="2104571"/>
+              <a:ext cx="3222171" cy="3164115"/>
+            </a:xfrm>
+            <a:prstGeom prst="rect">
+              <a:avLst/>
+            </a:prstGeom>
+            <a:solidFill>
+              <a:srgbClr val="7030A0"/>
+            </a:solidFill>
+            <a:ln>
+              <a:noFill/>
+            </a:ln>
+          </p:spPr>
+          <p:style>
+            <a:lnRef idx="2">
+              <a:schemeClr val="accent1">
+                <a:shade val="15000"/>
+              </a:schemeClr>
+            </a:lnRef>
+            <a:fillRef idx="1">
+              <a:schemeClr val="accent1"/>
+            </a:fillRef>
+            <a:effectRef idx="0">
+              <a:schemeClr val="accent1"/>
+            </a:effectRef>
+            <a:fontRef idx="minor">
+              <a:schemeClr val="lt1"/>
+            </a:fontRef>
+          </p:style>
+          <p:txBody>
+            <a:bodyPr rtlCol="0" anchor="ctr"/>
+            <a:lstStyle/>
+            <a:p>
+              <a:pPr algn="ctr"/>
+              <a:endParaRPr lang="en-CH"/>
+            </a:p>
+          </p:txBody>
+        </p:sp>
+        <p:sp>
+          <p:nvSpPr>
+            <p:cNvPr id="4" name="TextBox 3">
+              <a:extLst>
+                <a:ext uri="{FF2B5EF4-FFF2-40B4-BE49-F238E27FC236}">
+                  <a16:creationId xmlns:a16="http://schemas.microsoft.com/office/drawing/2014/main" id="{3AF41667-1342-14AC-53FE-F006F69A9C71}"/>
+                </a:ext>
+              </a:extLst>
+            </p:cNvPr>
+            <p:cNvSpPr txBox="1"/>
+            <p:nvPr/>
+          </p:nvSpPr>
+          <p:spPr>
+            <a:xfrm>
+              <a:off x="2119086" y="2217003"/>
+              <a:ext cx="2767104" cy="461665"/>
+            </a:xfrm>
+            <a:prstGeom prst="rect">
+              <a:avLst/>
+            </a:prstGeom>
+            <a:noFill/>
+          </p:spPr>
+          <p:txBody>
+            <a:bodyPr wrap="none" rtlCol="0">
+              <a:spAutoFit/>
+            </a:bodyPr>
+            <a:lstStyle/>
+            <a:p>
+              <a:r>
+                <a:rPr lang="en-CH" sz="2400" b="1" dirty="0">
+                  <a:solidFill>
+                    <a:schemeClr val="bg1"/>
+                  </a:solidFill>
+                  <a:latin typeface="Helvetica" pitchFamily="2" charset="0"/>
+                </a:rPr>
+                <a:t>Recommendation</a:t>
+              </a:r>
+            </a:p>
+          </p:txBody>
+        </p:sp>
+      </p:grpSp>
+      <p:grpSp>
+        <p:nvGrpSpPr>
+          <p:cNvPr id="7" name="Group 6">
+            <a:extLst>
+              <a:ext uri="{FF2B5EF4-FFF2-40B4-BE49-F238E27FC236}">
+                <a16:creationId xmlns:a16="http://schemas.microsoft.com/office/drawing/2014/main" id="{BDADEB88-1D5B-994A-DAEF-86D86274D9F1}"/>
+              </a:ext>
+            </a:extLst>
+          </p:cNvPr>
+          <p:cNvGrpSpPr>
+            <a:grpSpLocks noChangeAspect="1"/>
+          </p:cNvGrpSpPr>
+          <p:nvPr/>
+        </p:nvGrpSpPr>
+        <p:grpSpPr>
+          <a:xfrm>
+            <a:off x="3751942" y="185001"/>
+            <a:ext cx="2185200" cy="2145828"/>
+            <a:chOff x="2061029" y="2104571"/>
+            <a:chExt cx="3222171" cy="3164115"/>
+          </a:xfrm>
+        </p:grpSpPr>
+        <p:sp>
+          <p:nvSpPr>
+            <p:cNvPr id="8" name="Rectangle 7">
+              <a:extLst>
+                <a:ext uri="{FF2B5EF4-FFF2-40B4-BE49-F238E27FC236}">
+                  <a16:creationId xmlns:a16="http://schemas.microsoft.com/office/drawing/2014/main" id="{1EC36D14-2B61-A1A5-5DB7-0871AAC411BE}"/>
+                </a:ext>
+              </a:extLst>
+            </p:cNvPr>
+            <p:cNvSpPr/>
+            <p:nvPr/>
+          </p:nvSpPr>
+          <p:spPr>
+            <a:xfrm>
+              <a:off x="2061029" y="2104571"/>
+              <a:ext cx="3222171" cy="3164115"/>
+            </a:xfrm>
+            <a:prstGeom prst="rect">
+              <a:avLst/>
+            </a:prstGeom>
+            <a:solidFill>
+              <a:schemeClr val="accent2">
+                <a:lumMod val="50000"/>
+              </a:schemeClr>
+            </a:solidFill>
+            <a:ln>
+              <a:noFill/>
+            </a:ln>
+          </p:spPr>
+          <p:style>
+            <a:lnRef idx="2">
+              <a:schemeClr val="accent1">
+                <a:shade val="15000"/>
+              </a:schemeClr>
+            </a:lnRef>
+            <a:fillRef idx="1">
+              <a:schemeClr val="accent1"/>
+            </a:fillRef>
+            <a:effectRef idx="0">
+              <a:schemeClr val="accent1"/>
+            </a:effectRef>
+            <a:fontRef idx="minor">
+              <a:schemeClr val="lt1"/>
+            </a:fontRef>
+          </p:style>
+          <p:txBody>
+            <a:bodyPr rtlCol="0" anchor="ctr"/>
+            <a:lstStyle/>
+            <a:p>
+              <a:pPr algn="ctr"/>
+              <a:endParaRPr lang="en-CH" dirty="0"/>
+            </a:p>
+          </p:txBody>
+        </p:sp>
+        <p:sp>
+          <p:nvSpPr>
+            <p:cNvPr id="9" name="TextBox 8">
+              <a:extLst>
+                <a:ext uri="{FF2B5EF4-FFF2-40B4-BE49-F238E27FC236}">
+                  <a16:creationId xmlns:a16="http://schemas.microsoft.com/office/drawing/2014/main" id="{B383675D-69CB-8BB6-2202-E14D3E1DF9DD}"/>
+                </a:ext>
+              </a:extLst>
+            </p:cNvPr>
+            <p:cNvSpPr txBox="1"/>
+            <p:nvPr/>
+          </p:nvSpPr>
+          <p:spPr>
+            <a:xfrm>
+              <a:off x="2119086" y="2217003"/>
+              <a:ext cx="1773242" cy="461665"/>
+            </a:xfrm>
+            <a:prstGeom prst="rect">
+              <a:avLst/>
+            </a:prstGeom>
+            <a:noFill/>
+          </p:spPr>
+          <p:txBody>
+            <a:bodyPr wrap="none" rtlCol="0">
+              <a:spAutoFit/>
+            </a:bodyPr>
+            <a:lstStyle/>
+            <a:p>
+              <a:r>
+                <a:rPr lang="en-CH" sz="2400" b="1" dirty="0">
+                  <a:solidFill>
+                    <a:schemeClr val="bg1"/>
+                  </a:solidFill>
+                  <a:latin typeface="Helvetica" pitchFamily="2" charset="0"/>
+                </a:rPr>
+                <a:t>Regulation</a:t>
+              </a:r>
+            </a:p>
+          </p:txBody>
+        </p:sp>
+      </p:grpSp>
+      <p:grpSp>
+        <p:nvGrpSpPr>
+          <p:cNvPr id="10" name="Group 9">
+            <a:extLst>
+              <a:ext uri="{FF2B5EF4-FFF2-40B4-BE49-F238E27FC236}">
+                <a16:creationId xmlns:a16="http://schemas.microsoft.com/office/drawing/2014/main" id="{CB5C09D8-B81E-9825-21DF-AB17E46618F5}"/>
+              </a:ext>
+            </a:extLst>
+          </p:cNvPr>
+          <p:cNvGrpSpPr>
+            <a:grpSpLocks noChangeAspect="1"/>
+          </p:cNvGrpSpPr>
+          <p:nvPr/>
+        </p:nvGrpSpPr>
+        <p:grpSpPr>
+          <a:xfrm>
+            <a:off x="7184570" y="185000"/>
+            <a:ext cx="2185200" cy="2145828"/>
+            <a:chOff x="2061029" y="2104571"/>
+            <a:chExt cx="3222171" cy="3164115"/>
+          </a:xfrm>
+        </p:grpSpPr>
+        <p:sp>
+          <p:nvSpPr>
+            <p:cNvPr id="11" name="Rectangle 10">
+              <a:extLst>
+                <a:ext uri="{FF2B5EF4-FFF2-40B4-BE49-F238E27FC236}">
+                  <a16:creationId xmlns:a16="http://schemas.microsoft.com/office/drawing/2014/main" id="{012E7E94-1111-5E95-5A07-ADE42D4FC8E5}"/>
+                </a:ext>
+              </a:extLst>
+            </p:cNvPr>
+            <p:cNvSpPr/>
+            <p:nvPr/>
+          </p:nvSpPr>
+          <p:spPr>
+            <a:xfrm>
+              <a:off x="2061029" y="2104571"/>
+              <a:ext cx="3222171" cy="3164115"/>
+            </a:xfrm>
+            <a:prstGeom prst="rect">
+              <a:avLst/>
+            </a:prstGeom>
+            <a:solidFill>
+              <a:schemeClr val="tx2">
+                <a:lumMod val="60000"/>
+                <a:lumOff val="40000"/>
+              </a:schemeClr>
+            </a:solidFill>
+            <a:ln>
+              <a:noFill/>
+            </a:ln>
+          </p:spPr>
+          <p:style>
+            <a:lnRef idx="2">
+              <a:schemeClr val="accent1">
+                <a:shade val="15000"/>
+              </a:schemeClr>
+            </a:lnRef>
+            <a:fillRef idx="1">
+              <a:schemeClr val="accent1"/>
+            </a:fillRef>
+            <a:effectRef idx="0">
+              <a:schemeClr val="accent1"/>
+            </a:effectRef>
+            <a:fontRef idx="minor">
+              <a:schemeClr val="lt1"/>
+            </a:fontRef>
+          </p:style>
+          <p:txBody>
+            <a:bodyPr rtlCol="0" anchor="ctr"/>
+            <a:lstStyle/>
+            <a:p>
+              <a:pPr algn="ctr"/>
+              <a:endParaRPr lang="en-CH"/>
+            </a:p>
+          </p:txBody>
+        </p:sp>
+        <p:sp>
+          <p:nvSpPr>
+            <p:cNvPr id="12" name="TextBox 11">
+              <a:extLst>
+                <a:ext uri="{FF2B5EF4-FFF2-40B4-BE49-F238E27FC236}">
+                  <a16:creationId xmlns:a16="http://schemas.microsoft.com/office/drawing/2014/main" id="{3F2E15CF-EA6D-FC5F-6DBA-4C539646CA05}"/>
+                </a:ext>
+              </a:extLst>
+            </p:cNvPr>
+            <p:cNvSpPr txBox="1"/>
+            <p:nvPr/>
+          </p:nvSpPr>
+          <p:spPr>
+            <a:xfrm>
+              <a:off x="2119086" y="2217003"/>
+              <a:ext cx="2758832" cy="461665"/>
+            </a:xfrm>
+            <a:prstGeom prst="rect">
+              <a:avLst/>
+            </a:prstGeom>
+            <a:noFill/>
+          </p:spPr>
+          <p:txBody>
+            <a:bodyPr wrap="none" rtlCol="0">
+              <a:spAutoFit/>
+            </a:bodyPr>
+            <a:lstStyle/>
+            <a:p>
+              <a:r>
+                <a:rPr lang="en-CH" sz="2400" b="1" dirty="0">
+                  <a:solidFill>
+                    <a:schemeClr val="bg1"/>
+                  </a:solidFill>
+                  <a:latin typeface="Helvetica" pitchFamily="2" charset="0"/>
+                </a:rPr>
+                <a:t>Technical Method</a:t>
+              </a:r>
+            </a:p>
+          </p:txBody>
+        </p:sp>
+      </p:grpSp>
+      <p:grpSp>
+        <p:nvGrpSpPr>
+          <p:cNvPr id="13" name="Group 12">
+            <a:extLst>
+              <a:ext uri="{FF2B5EF4-FFF2-40B4-BE49-F238E27FC236}">
+                <a16:creationId xmlns:a16="http://schemas.microsoft.com/office/drawing/2014/main" id="{20421C82-3587-1070-11BC-6350F2097032}"/>
+              </a:ext>
+            </a:extLst>
+          </p:cNvPr>
+          <p:cNvGrpSpPr/>
+          <p:nvPr/>
+        </p:nvGrpSpPr>
+        <p:grpSpPr>
+          <a:xfrm>
+            <a:off x="319314" y="3508883"/>
+            <a:ext cx="3222171" cy="3164115"/>
+            <a:chOff x="2061029" y="2104571"/>
+            <a:chExt cx="3222171" cy="3164115"/>
+          </a:xfrm>
+          <a:solidFill>
+            <a:srgbClr val="FF0000"/>
+          </a:solidFill>
+        </p:grpSpPr>
+        <p:sp>
+          <p:nvSpPr>
+            <p:cNvPr id="14" name="Rectangle 13">
+              <a:extLst>
+                <a:ext uri="{FF2B5EF4-FFF2-40B4-BE49-F238E27FC236}">
+                  <a16:creationId xmlns:a16="http://schemas.microsoft.com/office/drawing/2014/main" id="{1077456C-CE90-DAAE-9AFF-040431017E27}"/>
+                </a:ext>
+              </a:extLst>
+            </p:cNvPr>
+            <p:cNvSpPr/>
+            <p:nvPr/>
+          </p:nvSpPr>
+          <p:spPr>
+            <a:xfrm>
+              <a:off x="2061029" y="2104571"/>
+              <a:ext cx="3222171" cy="3164115"/>
+            </a:xfrm>
+            <a:prstGeom prst="rect">
+              <a:avLst/>
+            </a:prstGeom>
+            <a:grpFill/>
+            <a:ln>
+              <a:noFill/>
+            </a:ln>
+          </p:spPr>
+          <p:style>
+            <a:lnRef idx="2">
+              <a:schemeClr val="accent1">
+                <a:shade val="15000"/>
+              </a:schemeClr>
+            </a:lnRef>
+            <a:fillRef idx="1">
+              <a:schemeClr val="accent1"/>
+            </a:fillRef>
+            <a:effectRef idx="0">
+              <a:schemeClr val="accent1"/>
+            </a:effectRef>
+            <a:fontRef idx="minor">
+              <a:schemeClr val="lt1"/>
+            </a:fontRef>
+          </p:style>
+          <p:txBody>
+            <a:bodyPr rtlCol="0" anchor="ctr"/>
+            <a:lstStyle/>
+            <a:p>
+              <a:pPr algn="ctr"/>
+              <a:endParaRPr lang="en-CH"/>
+            </a:p>
+          </p:txBody>
+        </p:sp>
+        <p:sp>
+          <p:nvSpPr>
+            <p:cNvPr id="15" name="TextBox 14">
+              <a:extLst>
+                <a:ext uri="{FF2B5EF4-FFF2-40B4-BE49-F238E27FC236}">
+                  <a16:creationId xmlns:a16="http://schemas.microsoft.com/office/drawing/2014/main" id="{C8528810-2DF1-0014-0C32-9C465E266427}"/>
+                </a:ext>
+              </a:extLst>
+            </p:cNvPr>
+            <p:cNvSpPr txBox="1"/>
+            <p:nvPr/>
+          </p:nvSpPr>
+          <p:spPr>
+            <a:xfrm>
+              <a:off x="2119086" y="2217003"/>
+              <a:ext cx="2000869" cy="830997"/>
+            </a:xfrm>
+            <a:prstGeom prst="rect">
+              <a:avLst/>
+            </a:prstGeom>
+            <a:grpFill/>
+          </p:spPr>
+          <p:txBody>
+            <a:bodyPr wrap="none" rtlCol="0">
+              <a:spAutoFit/>
+            </a:bodyPr>
+            <a:lstStyle/>
+            <a:p>
+              <a:r>
+                <a:rPr lang="en-CH" sz="2400" b="1" dirty="0">
+                  <a:solidFill>
+                    <a:schemeClr val="bg1"/>
+                  </a:solidFill>
+                  <a:latin typeface="Helvetica" pitchFamily="2" charset="0"/>
+                </a:rPr>
+                <a:t>Assessment</a:t>
+              </a:r>
+            </a:p>
+            <a:p>
+              <a:r>
+                <a:rPr lang="en-CH" sz="2400" b="1" dirty="0">
+                  <a:solidFill>
+                    <a:schemeClr val="bg1"/>
+                  </a:solidFill>
+                  <a:latin typeface="Helvetica" pitchFamily="2" charset="0"/>
+                </a:rPr>
+                <a:t>Tool</a:t>
+              </a:r>
+            </a:p>
+          </p:txBody>
+        </p:sp>
+      </p:grpSp>
+      <p:grpSp>
+        <p:nvGrpSpPr>
+          <p:cNvPr id="16" name="Group 15">
+            <a:extLst>
+              <a:ext uri="{FF2B5EF4-FFF2-40B4-BE49-F238E27FC236}">
+                <a16:creationId xmlns:a16="http://schemas.microsoft.com/office/drawing/2014/main" id="{12FEC487-2E12-AA8E-8023-6D503BD5DDAC}"/>
+              </a:ext>
+            </a:extLst>
+          </p:cNvPr>
+          <p:cNvGrpSpPr/>
+          <p:nvPr/>
+        </p:nvGrpSpPr>
+        <p:grpSpPr>
+          <a:xfrm>
+            <a:off x="3751942" y="3508883"/>
+            <a:ext cx="3222171" cy="3164115"/>
+            <a:chOff x="2061029" y="2104571"/>
+            <a:chExt cx="3222171" cy="3164115"/>
+          </a:xfrm>
+          <a:solidFill>
+            <a:schemeClr val="bg2">
+              <a:lumMod val="50000"/>
+            </a:schemeClr>
+          </a:solidFill>
+        </p:grpSpPr>
+        <p:sp>
+          <p:nvSpPr>
+            <p:cNvPr id="17" name="Rectangle 16">
+              <a:extLst>
+                <a:ext uri="{FF2B5EF4-FFF2-40B4-BE49-F238E27FC236}">
+                  <a16:creationId xmlns:a16="http://schemas.microsoft.com/office/drawing/2014/main" id="{B25C1D33-F47A-216A-DD1E-B0F64F70CD71}"/>
+                </a:ext>
+              </a:extLst>
+            </p:cNvPr>
+            <p:cNvSpPr/>
+            <p:nvPr/>
+          </p:nvSpPr>
+          <p:spPr>
+            <a:xfrm>
+              <a:off x="2061029" y="2104571"/>
+              <a:ext cx="3222171" cy="3164115"/>
+            </a:xfrm>
+            <a:prstGeom prst="rect">
+              <a:avLst/>
+            </a:prstGeom>
+            <a:grpFill/>
+            <a:ln>
+              <a:noFill/>
+            </a:ln>
+          </p:spPr>
+          <p:style>
+            <a:lnRef idx="2">
+              <a:schemeClr val="accent1">
+                <a:shade val="15000"/>
+              </a:schemeClr>
+            </a:lnRef>
+            <a:fillRef idx="1">
+              <a:schemeClr val="accent1"/>
+            </a:fillRef>
+            <a:effectRef idx="0">
+              <a:schemeClr val="accent1"/>
+            </a:effectRef>
+            <a:fontRef idx="minor">
+              <a:schemeClr val="lt1"/>
+            </a:fontRef>
+          </p:style>
+          <p:txBody>
+            <a:bodyPr rtlCol="0" anchor="ctr"/>
+            <a:lstStyle/>
+            <a:p>
+              <a:pPr algn="ctr"/>
+              <a:endParaRPr lang="en-CH"/>
+            </a:p>
+          </p:txBody>
+        </p:sp>
+        <p:sp>
+          <p:nvSpPr>
+            <p:cNvPr id="18" name="TextBox 17">
+              <a:extLst>
+                <a:ext uri="{FF2B5EF4-FFF2-40B4-BE49-F238E27FC236}">
+                  <a16:creationId xmlns:a16="http://schemas.microsoft.com/office/drawing/2014/main" id="{637210FD-9A8C-EC4D-E7D2-BD78A5B3B3DF}"/>
+                </a:ext>
+              </a:extLst>
+            </p:cNvPr>
+            <p:cNvSpPr txBox="1"/>
+            <p:nvPr/>
+          </p:nvSpPr>
+          <p:spPr>
+            <a:xfrm>
+              <a:off x="2119086" y="2217003"/>
+              <a:ext cx="1313180" cy="461665"/>
+            </a:xfrm>
+            <a:prstGeom prst="rect">
+              <a:avLst/>
+            </a:prstGeom>
+            <a:grpFill/>
+          </p:spPr>
+          <p:txBody>
+            <a:bodyPr wrap="none" rtlCol="0">
+              <a:spAutoFit/>
+            </a:bodyPr>
+            <a:lstStyle/>
+            <a:p>
+              <a:r>
+                <a:rPr lang="en-CH" sz="2400" b="1" dirty="0">
+                  <a:solidFill>
+                    <a:schemeClr val="bg1"/>
+                  </a:solidFill>
+                  <a:latin typeface="Helvetica" pitchFamily="2" charset="0"/>
+                </a:rPr>
+                <a:t>Catalog</a:t>
+              </a:r>
+            </a:p>
+          </p:txBody>
+        </p:sp>
+      </p:grpSp>
+      <p:grpSp>
+        <p:nvGrpSpPr>
+          <p:cNvPr id="19" name="Group 18">
+            <a:extLst>
+              <a:ext uri="{FF2B5EF4-FFF2-40B4-BE49-F238E27FC236}">
+                <a16:creationId xmlns:a16="http://schemas.microsoft.com/office/drawing/2014/main" id="{16B41A88-6F17-4FB6-0C72-800D52FC145B}"/>
+              </a:ext>
+            </a:extLst>
+          </p:cNvPr>
+          <p:cNvGrpSpPr/>
+          <p:nvPr/>
+        </p:nvGrpSpPr>
+        <p:grpSpPr>
+          <a:xfrm>
+            <a:off x="7184570" y="3508882"/>
+            <a:ext cx="3222171" cy="3164115"/>
+            <a:chOff x="2061029" y="2104571"/>
+            <a:chExt cx="3222171" cy="3164115"/>
+          </a:xfrm>
+          <a:solidFill>
+            <a:schemeClr val="accent4">
+              <a:lumMod val="75000"/>
+            </a:schemeClr>
+          </a:solidFill>
+        </p:grpSpPr>
+        <p:sp>
+          <p:nvSpPr>
+            <p:cNvPr id="20" name="Rectangle 19">
+              <a:extLst>
+                <a:ext uri="{FF2B5EF4-FFF2-40B4-BE49-F238E27FC236}">
+                  <a16:creationId xmlns:a16="http://schemas.microsoft.com/office/drawing/2014/main" id="{AFDE8690-A1D1-6DD7-7F72-CA29A582C105}"/>
+                </a:ext>
+              </a:extLst>
+            </p:cNvPr>
+            <p:cNvSpPr/>
+            <p:nvPr/>
+          </p:nvSpPr>
+          <p:spPr>
+            <a:xfrm>
+              <a:off x="2061029" y="2104571"/>
+              <a:ext cx="3222171" cy="3164115"/>
+            </a:xfrm>
+            <a:prstGeom prst="rect">
+              <a:avLst/>
+            </a:prstGeom>
+            <a:grpFill/>
+            <a:ln>
+              <a:noFill/>
+            </a:ln>
+          </p:spPr>
+          <p:style>
+            <a:lnRef idx="2">
+              <a:schemeClr val="accent1">
+                <a:shade val="15000"/>
+              </a:schemeClr>
+            </a:lnRef>
+            <a:fillRef idx="1">
+              <a:schemeClr val="accent1"/>
+            </a:fillRef>
+            <a:effectRef idx="0">
+              <a:schemeClr val="accent1"/>
+            </a:effectRef>
+            <a:fontRef idx="minor">
+              <a:schemeClr val="lt1"/>
+            </a:fontRef>
+          </p:style>
+          <p:txBody>
+            <a:bodyPr rtlCol="0" anchor="ctr"/>
+            <a:lstStyle/>
+            <a:p>
+              <a:pPr algn="ctr"/>
+              <a:endParaRPr lang="en-CH"/>
+            </a:p>
+          </p:txBody>
+        </p:sp>
+        <p:sp>
+          <p:nvSpPr>
+            <p:cNvPr id="21" name="TextBox 20">
+              <a:extLst>
+                <a:ext uri="{FF2B5EF4-FFF2-40B4-BE49-F238E27FC236}">
+                  <a16:creationId xmlns:a16="http://schemas.microsoft.com/office/drawing/2014/main" id="{50CB80DE-2A0B-3DC3-E449-E872CBA848F5}"/>
+                </a:ext>
+              </a:extLst>
+            </p:cNvPr>
+            <p:cNvSpPr txBox="1"/>
+            <p:nvPr/>
+          </p:nvSpPr>
+          <p:spPr>
+            <a:xfrm>
+              <a:off x="2119086" y="2217003"/>
+              <a:ext cx="2063385" cy="461665"/>
+            </a:xfrm>
+            <a:prstGeom prst="rect">
+              <a:avLst/>
+            </a:prstGeom>
+            <a:grpFill/>
+          </p:spPr>
+          <p:txBody>
+            <a:bodyPr wrap="none" rtlCol="0">
+              <a:spAutoFit/>
+            </a:bodyPr>
+            <a:lstStyle/>
+            <a:p>
+              <a:r>
+                <a:rPr lang="en-CH" sz="2400" b="1" dirty="0">
+                  <a:solidFill>
+                    <a:schemeClr val="bg1"/>
+                  </a:solidFill>
+                  <a:latin typeface="Helvetica" pitchFamily="2" charset="0"/>
+                </a:rPr>
+                <a:t>Organization</a:t>
+              </a:r>
+            </a:p>
+          </p:txBody>
+        </p:sp>
+      </p:grpSp>
+    </p:spTree>
+    <p:extLst>
+      <p:ext uri="{BB962C8B-B14F-4D97-AF65-F5344CB8AC3E}">
+        <p14:creationId xmlns:p14="http://schemas.microsoft.com/office/powerpoint/2010/main" val="3407432342"/>
+      </p:ext>
+    </p:extLst>
+  </p:cSld>
+  <p:clrMapOvr>
+    <a:masterClrMapping/>
+  </p:clrMapOvr>
+</p:sld>
+</file>
+
+<file path=ppt/slides/slide4.xml><?xml version="1.0" encoding="utf-8"?>
 <p:sld xmlns:a="http://schemas.openxmlformats.org/drawingml/2006/main" xmlns:r="http://schemas.openxmlformats.org/officeDocument/2006/relationships" xmlns:p="http://schemas.openxmlformats.org/presentationml/2006/main">
   <p:cSld>
     <p:bg>

--- a/assets/images/RAI_toolkit/RAI_categories.pptx
+++ b/assets/images/RAI_toolkit/RAI_categories.pptx
@@ -5,10 +5,8 @@
     <p:sldMasterId id="2147483648" r:id="rId1"/>
   </p:sldMasterIdLst>
   <p:sldIdLst>
-    <p:sldId id="256" r:id="rId2"/>
-    <p:sldId id="259" r:id="rId3"/>
-    <p:sldId id="258" r:id="rId4"/>
-    <p:sldId id="257" r:id="rId5"/>
+    <p:sldId id="259" r:id="rId2"/>
+    <p:sldId id="260" r:id="rId3"/>
   </p:sldIdLst>
   <p:sldSz cx="12192000" cy="6858000"/>
   <p:notesSz cx="6858000" cy="9144000"/>
@@ -264,7 +262,7 @@
           <a:p>
             <a:fld id="{9D63B7D8-1762-D641-8ED2-77E889CE9CA9}" type="datetimeFigureOut">
               <a:rPr lang="en-CH" smtClean="0"/>
-              <a:t>28.11.23</a:t>
+              <a:t>29.11.23</a:t>
             </a:fld>
             <a:endParaRPr lang="en-CH"/>
           </a:p>
@@ -464,7 +462,7 @@
           <a:p>
             <a:fld id="{9D63B7D8-1762-D641-8ED2-77E889CE9CA9}" type="datetimeFigureOut">
               <a:rPr lang="en-CH" smtClean="0"/>
-              <a:t>28.11.23</a:t>
+              <a:t>29.11.23</a:t>
             </a:fld>
             <a:endParaRPr lang="en-CH"/>
           </a:p>
@@ -674,7 +672,7 @@
           <a:p>
             <a:fld id="{9D63B7D8-1762-D641-8ED2-77E889CE9CA9}" type="datetimeFigureOut">
               <a:rPr lang="en-CH" smtClean="0"/>
-              <a:t>28.11.23</a:t>
+              <a:t>29.11.23</a:t>
             </a:fld>
             <a:endParaRPr lang="en-CH"/>
           </a:p>
@@ -874,7 +872,7 @@
           <a:p>
             <a:fld id="{9D63B7D8-1762-D641-8ED2-77E889CE9CA9}" type="datetimeFigureOut">
               <a:rPr lang="en-CH" smtClean="0"/>
-              <a:t>28.11.23</a:t>
+              <a:t>29.11.23</a:t>
             </a:fld>
             <a:endParaRPr lang="en-CH"/>
           </a:p>
@@ -1150,7 +1148,7 @@
           <a:p>
             <a:fld id="{9D63B7D8-1762-D641-8ED2-77E889CE9CA9}" type="datetimeFigureOut">
               <a:rPr lang="en-CH" smtClean="0"/>
-              <a:t>28.11.23</a:t>
+              <a:t>29.11.23</a:t>
             </a:fld>
             <a:endParaRPr lang="en-CH"/>
           </a:p>
@@ -1418,7 +1416,7 @@
           <a:p>
             <a:fld id="{9D63B7D8-1762-D641-8ED2-77E889CE9CA9}" type="datetimeFigureOut">
               <a:rPr lang="en-CH" smtClean="0"/>
-              <a:t>28.11.23</a:t>
+              <a:t>29.11.23</a:t>
             </a:fld>
             <a:endParaRPr lang="en-CH"/>
           </a:p>
@@ -1833,7 +1831,7 @@
           <a:p>
             <a:fld id="{9D63B7D8-1762-D641-8ED2-77E889CE9CA9}" type="datetimeFigureOut">
               <a:rPr lang="en-CH" smtClean="0"/>
-              <a:t>28.11.23</a:t>
+              <a:t>29.11.23</a:t>
             </a:fld>
             <a:endParaRPr lang="en-CH"/>
           </a:p>
@@ -1975,7 +1973,7 @@
           <a:p>
             <a:fld id="{9D63B7D8-1762-D641-8ED2-77E889CE9CA9}" type="datetimeFigureOut">
               <a:rPr lang="en-CH" smtClean="0"/>
-              <a:t>28.11.23</a:t>
+              <a:t>29.11.23</a:t>
             </a:fld>
             <a:endParaRPr lang="en-CH"/>
           </a:p>
@@ -2088,7 +2086,7 @@
           <a:p>
             <a:fld id="{9D63B7D8-1762-D641-8ED2-77E889CE9CA9}" type="datetimeFigureOut">
               <a:rPr lang="en-CH" smtClean="0"/>
-              <a:t>28.11.23</a:t>
+              <a:t>29.11.23</a:t>
             </a:fld>
             <a:endParaRPr lang="en-CH"/>
           </a:p>
@@ -2401,7 +2399,7 @@
           <a:p>
             <a:fld id="{9D63B7D8-1762-D641-8ED2-77E889CE9CA9}" type="datetimeFigureOut">
               <a:rPr lang="en-CH" smtClean="0"/>
-              <a:t>28.11.23</a:t>
+              <a:t>29.11.23</a:t>
             </a:fld>
             <a:endParaRPr lang="en-CH"/>
           </a:p>
@@ -2690,7 +2688,7 @@
           <a:p>
             <a:fld id="{9D63B7D8-1762-D641-8ED2-77E889CE9CA9}" type="datetimeFigureOut">
               <a:rPr lang="en-CH" smtClean="0"/>
-              <a:t>28.11.23</a:t>
+              <a:t>29.11.23</a:t>
             </a:fld>
             <a:endParaRPr lang="en-CH"/>
           </a:p>
@@ -2933,7 +2931,7 @@
           <a:p>
             <a:fld id="{9D63B7D8-1762-D641-8ED2-77E889CE9CA9}" type="datetimeFigureOut">
               <a:rPr lang="en-CH" smtClean="0"/>
-              <a:t>28.11.23</a:t>
+              <a:t>29.11.23</a:t>
             </a:fld>
             <a:endParaRPr lang="en-CH"/>
           </a:p>
@@ -3367,755 +3365,6 @@
               </a:ext>
             </a:extLst>
           </p:cNvPr>
-          <p:cNvGrpSpPr/>
-          <p:nvPr/>
-        </p:nvGrpSpPr>
-        <p:grpSpPr>
-          <a:xfrm>
-            <a:off x="319314" y="185002"/>
-            <a:ext cx="3222171" cy="3164115"/>
-            <a:chOff x="2061029" y="2104571"/>
-            <a:chExt cx="3222171" cy="3164115"/>
-          </a:xfrm>
-        </p:grpSpPr>
-        <p:sp>
-          <p:nvSpPr>
-            <p:cNvPr id="5" name="Rectangle 4">
-              <a:extLst>
-                <a:ext uri="{FF2B5EF4-FFF2-40B4-BE49-F238E27FC236}">
-                  <a16:creationId xmlns:a16="http://schemas.microsoft.com/office/drawing/2014/main" id="{29346DC3-6EFF-DB34-F0A2-5B3A7BD623B1}"/>
-                </a:ext>
-              </a:extLst>
-            </p:cNvPr>
-            <p:cNvSpPr/>
-            <p:nvPr/>
-          </p:nvSpPr>
-          <p:spPr>
-            <a:xfrm>
-              <a:off x="2061029" y="2104571"/>
-              <a:ext cx="3222171" cy="3164115"/>
-            </a:xfrm>
-            <a:prstGeom prst="rect">
-              <a:avLst/>
-            </a:prstGeom>
-            <a:solidFill>
-              <a:schemeClr val="accent2"/>
-            </a:solidFill>
-            <a:ln>
-              <a:noFill/>
-            </a:ln>
-          </p:spPr>
-          <p:style>
-            <a:lnRef idx="2">
-              <a:schemeClr val="accent1">
-                <a:shade val="15000"/>
-              </a:schemeClr>
-            </a:lnRef>
-            <a:fillRef idx="1">
-              <a:schemeClr val="accent1"/>
-            </a:fillRef>
-            <a:effectRef idx="0">
-              <a:schemeClr val="accent1"/>
-            </a:effectRef>
-            <a:fontRef idx="minor">
-              <a:schemeClr val="lt1"/>
-            </a:fontRef>
-          </p:style>
-          <p:txBody>
-            <a:bodyPr rtlCol="0" anchor="ctr"/>
-            <a:lstStyle/>
-            <a:p>
-              <a:pPr algn="ctr"/>
-              <a:endParaRPr lang="en-CH"/>
-            </a:p>
-          </p:txBody>
-        </p:sp>
-        <p:sp>
-          <p:nvSpPr>
-            <p:cNvPr id="4" name="TextBox 3">
-              <a:extLst>
-                <a:ext uri="{FF2B5EF4-FFF2-40B4-BE49-F238E27FC236}">
-                  <a16:creationId xmlns:a16="http://schemas.microsoft.com/office/drawing/2014/main" id="{3AF41667-1342-14AC-53FE-F006F69A9C71}"/>
-                </a:ext>
-              </a:extLst>
-            </p:cNvPr>
-            <p:cNvSpPr txBox="1"/>
-            <p:nvPr/>
-          </p:nvSpPr>
-          <p:spPr>
-            <a:xfrm>
-              <a:off x="2119086" y="2217003"/>
-              <a:ext cx="1842171" cy="830997"/>
-            </a:xfrm>
-            <a:prstGeom prst="rect">
-              <a:avLst/>
-            </a:prstGeom>
-            <a:noFill/>
-          </p:spPr>
-          <p:txBody>
-            <a:bodyPr wrap="none" rtlCol="0">
-              <a:spAutoFit/>
-            </a:bodyPr>
-            <a:lstStyle/>
-            <a:p>
-              <a:r>
-                <a:rPr lang="en-CH" sz="2400" b="1" dirty="0">
-                  <a:solidFill>
-                    <a:schemeClr val="bg1"/>
-                  </a:solidFill>
-                  <a:latin typeface="Helvetica" pitchFamily="2" charset="0"/>
-                </a:rPr>
-                <a:t>Suggested </a:t>
-              </a:r>
-            </a:p>
-            <a:p>
-              <a:r>
-                <a:rPr lang="en-CH" sz="2400" b="1" dirty="0">
-                  <a:solidFill>
-                    <a:schemeClr val="bg1"/>
-                  </a:solidFill>
-                  <a:latin typeface="Helvetica" pitchFamily="2" charset="0"/>
-                </a:rPr>
-                <a:t>Reading</a:t>
-              </a:r>
-            </a:p>
-          </p:txBody>
-        </p:sp>
-      </p:grpSp>
-      <p:grpSp>
-        <p:nvGrpSpPr>
-          <p:cNvPr id="7" name="Group 6">
-            <a:extLst>
-              <a:ext uri="{FF2B5EF4-FFF2-40B4-BE49-F238E27FC236}">
-                <a16:creationId xmlns:a16="http://schemas.microsoft.com/office/drawing/2014/main" id="{BDADEB88-1D5B-994A-DAEF-86D86274D9F1}"/>
-              </a:ext>
-            </a:extLst>
-          </p:cNvPr>
-          <p:cNvGrpSpPr/>
-          <p:nvPr/>
-        </p:nvGrpSpPr>
-        <p:grpSpPr>
-          <a:xfrm>
-            <a:off x="3751942" y="185002"/>
-            <a:ext cx="3222171" cy="3164115"/>
-            <a:chOff x="2061029" y="2104571"/>
-            <a:chExt cx="3222171" cy="3164115"/>
-          </a:xfrm>
-        </p:grpSpPr>
-        <p:sp>
-          <p:nvSpPr>
-            <p:cNvPr id="8" name="Rectangle 7">
-              <a:extLst>
-                <a:ext uri="{FF2B5EF4-FFF2-40B4-BE49-F238E27FC236}">
-                  <a16:creationId xmlns:a16="http://schemas.microsoft.com/office/drawing/2014/main" id="{1EC36D14-2B61-A1A5-5DB7-0871AAC411BE}"/>
-                </a:ext>
-              </a:extLst>
-            </p:cNvPr>
-            <p:cNvSpPr/>
-            <p:nvPr/>
-          </p:nvSpPr>
-          <p:spPr>
-            <a:xfrm>
-              <a:off x="2061029" y="2104571"/>
-              <a:ext cx="3222171" cy="3164115"/>
-            </a:xfrm>
-            <a:prstGeom prst="rect">
-              <a:avLst/>
-            </a:prstGeom>
-            <a:solidFill>
-              <a:srgbClr val="0070C0"/>
-            </a:solidFill>
-            <a:ln>
-              <a:noFill/>
-            </a:ln>
-          </p:spPr>
-          <p:style>
-            <a:lnRef idx="2">
-              <a:schemeClr val="accent1">
-                <a:shade val="15000"/>
-              </a:schemeClr>
-            </a:lnRef>
-            <a:fillRef idx="1">
-              <a:schemeClr val="accent1"/>
-            </a:fillRef>
-            <a:effectRef idx="0">
-              <a:schemeClr val="accent1"/>
-            </a:effectRef>
-            <a:fontRef idx="minor">
-              <a:schemeClr val="lt1"/>
-            </a:fontRef>
-          </p:style>
-          <p:txBody>
-            <a:bodyPr rtlCol="0" anchor="ctr"/>
-            <a:lstStyle/>
-            <a:p>
-              <a:pPr algn="ctr"/>
-              <a:endParaRPr lang="en-CH" dirty="0"/>
-            </a:p>
-          </p:txBody>
-        </p:sp>
-        <p:sp>
-          <p:nvSpPr>
-            <p:cNvPr id="9" name="TextBox 8">
-              <a:extLst>
-                <a:ext uri="{FF2B5EF4-FFF2-40B4-BE49-F238E27FC236}">
-                  <a16:creationId xmlns:a16="http://schemas.microsoft.com/office/drawing/2014/main" id="{B383675D-69CB-8BB6-2202-E14D3E1DF9DD}"/>
-                </a:ext>
-              </a:extLst>
-            </p:cNvPr>
-            <p:cNvSpPr txBox="1"/>
-            <p:nvPr/>
-          </p:nvSpPr>
-          <p:spPr>
-            <a:xfrm>
-              <a:off x="2119086" y="2217003"/>
-              <a:ext cx="1518364" cy="461665"/>
-            </a:xfrm>
-            <a:prstGeom prst="rect">
-              <a:avLst/>
-            </a:prstGeom>
-            <a:noFill/>
-          </p:spPr>
-          <p:txBody>
-            <a:bodyPr wrap="none" rtlCol="0">
-              <a:spAutoFit/>
-            </a:bodyPr>
-            <a:lstStyle/>
-            <a:p>
-              <a:r>
-                <a:rPr lang="en-CH" sz="2400" b="1" dirty="0">
-                  <a:solidFill>
-                    <a:schemeClr val="bg1"/>
-                  </a:solidFill>
-                  <a:latin typeface="Helvetica" pitchFamily="2" charset="0"/>
-                </a:rPr>
-                <a:t>Standard</a:t>
-              </a:r>
-            </a:p>
-          </p:txBody>
-        </p:sp>
-      </p:grpSp>
-      <p:grpSp>
-        <p:nvGrpSpPr>
-          <p:cNvPr id="10" name="Group 9">
-            <a:extLst>
-              <a:ext uri="{FF2B5EF4-FFF2-40B4-BE49-F238E27FC236}">
-                <a16:creationId xmlns:a16="http://schemas.microsoft.com/office/drawing/2014/main" id="{CB5C09D8-B81E-9825-21DF-AB17E46618F5}"/>
-              </a:ext>
-            </a:extLst>
-          </p:cNvPr>
-          <p:cNvGrpSpPr/>
-          <p:nvPr/>
-        </p:nvGrpSpPr>
-        <p:grpSpPr>
-          <a:xfrm>
-            <a:off x="7184570" y="185001"/>
-            <a:ext cx="3222171" cy="3164115"/>
-            <a:chOff x="2061029" y="2104571"/>
-            <a:chExt cx="3222171" cy="3164115"/>
-          </a:xfrm>
-        </p:grpSpPr>
-        <p:sp>
-          <p:nvSpPr>
-            <p:cNvPr id="11" name="Rectangle 10">
-              <a:extLst>
-                <a:ext uri="{FF2B5EF4-FFF2-40B4-BE49-F238E27FC236}">
-                  <a16:creationId xmlns:a16="http://schemas.microsoft.com/office/drawing/2014/main" id="{012E7E94-1111-5E95-5A07-ADE42D4FC8E5}"/>
-                </a:ext>
-              </a:extLst>
-            </p:cNvPr>
-            <p:cNvSpPr/>
-            <p:nvPr/>
-          </p:nvSpPr>
-          <p:spPr>
-            <a:xfrm>
-              <a:off x="2061029" y="2104571"/>
-              <a:ext cx="3222171" cy="3164115"/>
-            </a:xfrm>
-            <a:prstGeom prst="rect">
-              <a:avLst/>
-            </a:prstGeom>
-            <a:solidFill>
-              <a:schemeClr val="accent6">
-                <a:lumMod val="75000"/>
-              </a:schemeClr>
-            </a:solidFill>
-            <a:ln>
-              <a:noFill/>
-            </a:ln>
-          </p:spPr>
-          <p:style>
-            <a:lnRef idx="2">
-              <a:schemeClr val="accent1">
-                <a:shade val="15000"/>
-              </a:schemeClr>
-            </a:lnRef>
-            <a:fillRef idx="1">
-              <a:schemeClr val="accent1"/>
-            </a:fillRef>
-            <a:effectRef idx="0">
-              <a:schemeClr val="accent1"/>
-            </a:effectRef>
-            <a:fontRef idx="minor">
-              <a:schemeClr val="lt1"/>
-            </a:fontRef>
-          </p:style>
-          <p:txBody>
-            <a:bodyPr rtlCol="0" anchor="ctr"/>
-            <a:lstStyle/>
-            <a:p>
-              <a:pPr algn="ctr"/>
-              <a:endParaRPr lang="en-CH"/>
-            </a:p>
-          </p:txBody>
-        </p:sp>
-        <p:sp>
-          <p:nvSpPr>
-            <p:cNvPr id="12" name="TextBox 11">
-              <a:extLst>
-                <a:ext uri="{FF2B5EF4-FFF2-40B4-BE49-F238E27FC236}">
-                  <a16:creationId xmlns:a16="http://schemas.microsoft.com/office/drawing/2014/main" id="{3F2E15CF-EA6D-FC5F-6DBA-4C539646CA05}"/>
-                </a:ext>
-              </a:extLst>
-            </p:cNvPr>
-            <p:cNvSpPr txBox="1"/>
-            <p:nvPr/>
-          </p:nvSpPr>
-          <p:spPr>
-            <a:xfrm>
-              <a:off x="2119086" y="2217003"/>
-              <a:ext cx="1176925" cy="461665"/>
-            </a:xfrm>
-            <a:prstGeom prst="rect">
-              <a:avLst/>
-            </a:prstGeom>
-            <a:noFill/>
-          </p:spPr>
-          <p:txBody>
-            <a:bodyPr wrap="none" rtlCol="0">
-              <a:spAutoFit/>
-            </a:bodyPr>
-            <a:lstStyle/>
-            <a:p>
-              <a:r>
-                <a:rPr lang="en-CH" sz="2400" b="1" dirty="0">
-                  <a:solidFill>
-                    <a:schemeClr val="bg1"/>
-                  </a:solidFill>
-                  <a:latin typeface="Helvetica" pitchFamily="2" charset="0"/>
-                </a:rPr>
-                <a:t>Report</a:t>
-              </a:r>
-            </a:p>
-          </p:txBody>
-        </p:sp>
-      </p:grpSp>
-      <p:grpSp>
-        <p:nvGrpSpPr>
-          <p:cNvPr id="13" name="Group 12">
-            <a:extLst>
-              <a:ext uri="{FF2B5EF4-FFF2-40B4-BE49-F238E27FC236}">
-                <a16:creationId xmlns:a16="http://schemas.microsoft.com/office/drawing/2014/main" id="{20421C82-3587-1070-11BC-6350F2097032}"/>
-              </a:ext>
-            </a:extLst>
-          </p:cNvPr>
-          <p:cNvGrpSpPr/>
-          <p:nvPr/>
-        </p:nvGrpSpPr>
-        <p:grpSpPr>
-          <a:xfrm>
-            <a:off x="319314" y="3508883"/>
-            <a:ext cx="3222171" cy="3164115"/>
-            <a:chOff x="2061029" y="2104571"/>
-            <a:chExt cx="3222171" cy="3164115"/>
-          </a:xfrm>
-          <a:solidFill>
-            <a:srgbClr val="FF0000"/>
-          </a:solidFill>
-        </p:grpSpPr>
-        <p:sp>
-          <p:nvSpPr>
-            <p:cNvPr id="14" name="Rectangle 13">
-              <a:extLst>
-                <a:ext uri="{FF2B5EF4-FFF2-40B4-BE49-F238E27FC236}">
-                  <a16:creationId xmlns:a16="http://schemas.microsoft.com/office/drawing/2014/main" id="{1077456C-CE90-DAAE-9AFF-040431017E27}"/>
-                </a:ext>
-              </a:extLst>
-            </p:cNvPr>
-            <p:cNvSpPr/>
-            <p:nvPr/>
-          </p:nvSpPr>
-          <p:spPr>
-            <a:xfrm>
-              <a:off x="2061029" y="2104571"/>
-              <a:ext cx="3222171" cy="3164115"/>
-            </a:xfrm>
-            <a:prstGeom prst="rect">
-              <a:avLst/>
-            </a:prstGeom>
-            <a:solidFill>
-              <a:srgbClr val="941100"/>
-            </a:solidFill>
-            <a:ln>
-              <a:noFill/>
-            </a:ln>
-          </p:spPr>
-          <p:style>
-            <a:lnRef idx="2">
-              <a:schemeClr val="accent1">
-                <a:shade val="15000"/>
-              </a:schemeClr>
-            </a:lnRef>
-            <a:fillRef idx="1">
-              <a:schemeClr val="accent1"/>
-            </a:fillRef>
-            <a:effectRef idx="0">
-              <a:schemeClr val="accent1"/>
-            </a:effectRef>
-            <a:fontRef idx="minor">
-              <a:schemeClr val="lt1"/>
-            </a:fontRef>
-          </p:style>
-          <p:txBody>
-            <a:bodyPr rtlCol="0" anchor="ctr"/>
-            <a:lstStyle/>
-            <a:p>
-              <a:pPr algn="ctr"/>
-              <a:endParaRPr lang="en-CH"/>
-            </a:p>
-          </p:txBody>
-        </p:sp>
-        <p:sp>
-          <p:nvSpPr>
-            <p:cNvPr id="15" name="TextBox 14">
-              <a:extLst>
-                <a:ext uri="{FF2B5EF4-FFF2-40B4-BE49-F238E27FC236}">
-                  <a16:creationId xmlns:a16="http://schemas.microsoft.com/office/drawing/2014/main" id="{C8528810-2DF1-0014-0C32-9C465E266427}"/>
-                </a:ext>
-              </a:extLst>
-            </p:cNvPr>
-            <p:cNvSpPr txBox="1"/>
-            <p:nvPr/>
-          </p:nvSpPr>
-          <p:spPr>
-            <a:xfrm>
-              <a:off x="2119086" y="2217003"/>
-              <a:ext cx="2000869" cy="830997"/>
-            </a:xfrm>
-            <a:prstGeom prst="rect">
-              <a:avLst/>
-            </a:prstGeom>
-            <a:noFill/>
-          </p:spPr>
-          <p:txBody>
-            <a:bodyPr wrap="none" rtlCol="0">
-              <a:spAutoFit/>
-            </a:bodyPr>
-            <a:lstStyle/>
-            <a:p>
-              <a:r>
-                <a:rPr lang="en-CH" sz="2400" b="1" dirty="0">
-                  <a:solidFill>
-                    <a:schemeClr val="bg1"/>
-                  </a:solidFill>
-                  <a:latin typeface="Helvetica" pitchFamily="2" charset="0"/>
-                </a:rPr>
-                <a:t>Assessment</a:t>
-              </a:r>
-            </a:p>
-            <a:p>
-              <a:r>
-                <a:rPr lang="en-CH" sz="2400" b="1" dirty="0">
-                  <a:solidFill>
-                    <a:schemeClr val="bg1"/>
-                  </a:solidFill>
-                  <a:latin typeface="Helvetica" pitchFamily="2" charset="0"/>
-                </a:rPr>
-                <a:t>Tool</a:t>
-              </a:r>
-            </a:p>
-          </p:txBody>
-        </p:sp>
-      </p:grpSp>
-      <p:grpSp>
-        <p:nvGrpSpPr>
-          <p:cNvPr id="16" name="Group 15">
-            <a:extLst>
-              <a:ext uri="{FF2B5EF4-FFF2-40B4-BE49-F238E27FC236}">
-                <a16:creationId xmlns:a16="http://schemas.microsoft.com/office/drawing/2014/main" id="{12FEC487-2E12-AA8E-8023-6D503BD5DDAC}"/>
-              </a:ext>
-            </a:extLst>
-          </p:cNvPr>
-          <p:cNvGrpSpPr/>
-          <p:nvPr/>
-        </p:nvGrpSpPr>
-        <p:grpSpPr>
-          <a:xfrm>
-            <a:off x="3751942" y="3508883"/>
-            <a:ext cx="3222171" cy="3164115"/>
-            <a:chOff x="2061029" y="2104571"/>
-            <a:chExt cx="3222171" cy="3164115"/>
-          </a:xfrm>
-          <a:solidFill>
-            <a:schemeClr val="bg2">
-              <a:lumMod val="50000"/>
-            </a:schemeClr>
-          </a:solidFill>
-        </p:grpSpPr>
-        <p:sp>
-          <p:nvSpPr>
-            <p:cNvPr id="17" name="Rectangle 16">
-              <a:extLst>
-                <a:ext uri="{FF2B5EF4-FFF2-40B4-BE49-F238E27FC236}">
-                  <a16:creationId xmlns:a16="http://schemas.microsoft.com/office/drawing/2014/main" id="{B25C1D33-F47A-216A-DD1E-B0F64F70CD71}"/>
-                </a:ext>
-              </a:extLst>
-            </p:cNvPr>
-            <p:cNvSpPr/>
-            <p:nvPr/>
-          </p:nvSpPr>
-          <p:spPr>
-            <a:xfrm>
-              <a:off x="2061029" y="2104571"/>
-              <a:ext cx="3222171" cy="3164115"/>
-            </a:xfrm>
-            <a:prstGeom prst="rect">
-              <a:avLst/>
-            </a:prstGeom>
-            <a:grpFill/>
-            <a:ln>
-              <a:noFill/>
-            </a:ln>
-          </p:spPr>
-          <p:style>
-            <a:lnRef idx="2">
-              <a:schemeClr val="accent1">
-                <a:shade val="15000"/>
-              </a:schemeClr>
-            </a:lnRef>
-            <a:fillRef idx="1">
-              <a:schemeClr val="accent1"/>
-            </a:fillRef>
-            <a:effectRef idx="0">
-              <a:schemeClr val="accent1"/>
-            </a:effectRef>
-            <a:fontRef idx="minor">
-              <a:schemeClr val="lt1"/>
-            </a:fontRef>
-          </p:style>
-          <p:txBody>
-            <a:bodyPr rtlCol="0" anchor="ctr"/>
-            <a:lstStyle/>
-            <a:p>
-              <a:pPr algn="ctr"/>
-              <a:endParaRPr lang="en-CH"/>
-            </a:p>
-          </p:txBody>
-        </p:sp>
-        <p:sp>
-          <p:nvSpPr>
-            <p:cNvPr id="18" name="TextBox 17">
-              <a:extLst>
-                <a:ext uri="{FF2B5EF4-FFF2-40B4-BE49-F238E27FC236}">
-                  <a16:creationId xmlns:a16="http://schemas.microsoft.com/office/drawing/2014/main" id="{637210FD-9A8C-EC4D-E7D2-BD78A5B3B3DF}"/>
-                </a:ext>
-              </a:extLst>
-            </p:cNvPr>
-            <p:cNvSpPr txBox="1"/>
-            <p:nvPr/>
-          </p:nvSpPr>
-          <p:spPr>
-            <a:xfrm>
-              <a:off x="2119086" y="2217003"/>
-              <a:ext cx="1313180" cy="461665"/>
-            </a:xfrm>
-            <a:prstGeom prst="rect">
-              <a:avLst/>
-            </a:prstGeom>
-            <a:grpFill/>
-          </p:spPr>
-          <p:txBody>
-            <a:bodyPr wrap="none" rtlCol="0">
-              <a:spAutoFit/>
-            </a:bodyPr>
-            <a:lstStyle/>
-            <a:p>
-              <a:r>
-                <a:rPr lang="en-CH" sz="2400" b="1" dirty="0">
-                  <a:solidFill>
-                    <a:schemeClr val="bg1"/>
-                  </a:solidFill>
-                  <a:latin typeface="Helvetica" pitchFamily="2" charset="0"/>
-                </a:rPr>
-                <a:t>Catalog</a:t>
-              </a:r>
-            </a:p>
-          </p:txBody>
-        </p:sp>
-      </p:grpSp>
-      <p:grpSp>
-        <p:nvGrpSpPr>
-          <p:cNvPr id="19" name="Group 18">
-            <a:extLst>
-              <a:ext uri="{FF2B5EF4-FFF2-40B4-BE49-F238E27FC236}">
-                <a16:creationId xmlns:a16="http://schemas.microsoft.com/office/drawing/2014/main" id="{16B41A88-6F17-4FB6-0C72-800D52FC145B}"/>
-              </a:ext>
-            </a:extLst>
-          </p:cNvPr>
-          <p:cNvGrpSpPr/>
-          <p:nvPr/>
-        </p:nvGrpSpPr>
-        <p:grpSpPr>
-          <a:xfrm>
-            <a:off x="7184570" y="3508882"/>
-            <a:ext cx="3222171" cy="3164115"/>
-            <a:chOff x="2061029" y="2104571"/>
-            <a:chExt cx="3222171" cy="3164115"/>
-          </a:xfrm>
-          <a:solidFill>
-            <a:schemeClr val="accent4">
-              <a:lumMod val="75000"/>
-            </a:schemeClr>
-          </a:solidFill>
-        </p:grpSpPr>
-        <p:sp>
-          <p:nvSpPr>
-            <p:cNvPr id="20" name="Rectangle 19">
-              <a:extLst>
-                <a:ext uri="{FF2B5EF4-FFF2-40B4-BE49-F238E27FC236}">
-                  <a16:creationId xmlns:a16="http://schemas.microsoft.com/office/drawing/2014/main" id="{AFDE8690-A1D1-6DD7-7F72-CA29A582C105}"/>
-                </a:ext>
-              </a:extLst>
-            </p:cNvPr>
-            <p:cNvSpPr/>
-            <p:nvPr/>
-          </p:nvSpPr>
-          <p:spPr>
-            <a:xfrm>
-              <a:off x="2061029" y="2104571"/>
-              <a:ext cx="3222171" cy="3164115"/>
-            </a:xfrm>
-            <a:prstGeom prst="rect">
-              <a:avLst/>
-            </a:prstGeom>
-            <a:grpFill/>
-            <a:ln>
-              <a:noFill/>
-            </a:ln>
-          </p:spPr>
-          <p:style>
-            <a:lnRef idx="2">
-              <a:schemeClr val="accent1">
-                <a:shade val="15000"/>
-              </a:schemeClr>
-            </a:lnRef>
-            <a:fillRef idx="1">
-              <a:schemeClr val="accent1"/>
-            </a:fillRef>
-            <a:effectRef idx="0">
-              <a:schemeClr val="accent1"/>
-            </a:effectRef>
-            <a:fontRef idx="minor">
-              <a:schemeClr val="lt1"/>
-            </a:fontRef>
-          </p:style>
-          <p:txBody>
-            <a:bodyPr rtlCol="0" anchor="ctr"/>
-            <a:lstStyle/>
-            <a:p>
-              <a:pPr algn="ctr"/>
-              <a:endParaRPr lang="en-CH"/>
-            </a:p>
-          </p:txBody>
-        </p:sp>
-        <p:sp>
-          <p:nvSpPr>
-            <p:cNvPr id="21" name="TextBox 20">
-              <a:extLst>
-                <a:ext uri="{FF2B5EF4-FFF2-40B4-BE49-F238E27FC236}">
-                  <a16:creationId xmlns:a16="http://schemas.microsoft.com/office/drawing/2014/main" id="{50CB80DE-2A0B-3DC3-E449-E872CBA848F5}"/>
-                </a:ext>
-              </a:extLst>
-            </p:cNvPr>
-            <p:cNvSpPr txBox="1"/>
-            <p:nvPr/>
-          </p:nvSpPr>
-          <p:spPr>
-            <a:xfrm>
-              <a:off x="2119086" y="2217003"/>
-              <a:ext cx="2063385" cy="461665"/>
-            </a:xfrm>
-            <a:prstGeom prst="rect">
-              <a:avLst/>
-            </a:prstGeom>
-            <a:grpFill/>
-          </p:spPr>
-          <p:txBody>
-            <a:bodyPr wrap="none" rtlCol="0">
-              <a:spAutoFit/>
-            </a:bodyPr>
-            <a:lstStyle/>
-            <a:p>
-              <a:r>
-                <a:rPr lang="en-CH" sz="2400" b="1" dirty="0">
-                  <a:solidFill>
-                    <a:schemeClr val="bg1"/>
-                  </a:solidFill>
-                  <a:latin typeface="Helvetica" pitchFamily="2" charset="0"/>
-                </a:rPr>
-                <a:t>Organization</a:t>
-              </a:r>
-            </a:p>
-          </p:txBody>
-        </p:sp>
-      </p:grpSp>
-    </p:spTree>
-    <p:extLst>
-      <p:ext uri="{BB962C8B-B14F-4D97-AF65-F5344CB8AC3E}">
-        <p14:creationId xmlns:p14="http://schemas.microsoft.com/office/powerpoint/2010/main" val="940064389"/>
-      </p:ext>
-    </p:extLst>
-  </p:cSld>
-  <p:clrMapOvr>
-    <a:masterClrMapping/>
-  </p:clrMapOvr>
-</p:sld>
-</file>
-
-<file path=ppt/slides/slide2.xml><?xml version="1.0" encoding="utf-8"?>
-<p:sld xmlns:a="http://schemas.openxmlformats.org/drawingml/2006/main" xmlns:r="http://schemas.openxmlformats.org/officeDocument/2006/relationships" xmlns:p="http://schemas.openxmlformats.org/presentationml/2006/main">
-  <p:cSld>
-    <p:bg>
-      <p:bgPr>
-        <a:solidFill>
-          <a:schemeClr val="bg1"/>
-        </a:solidFill>
-        <a:effectLst/>
-      </p:bgPr>
-    </p:bg>
-    <p:spTree>
-      <p:nvGrpSpPr>
-        <p:cNvPr id="1" name=""/>
-        <p:cNvGrpSpPr/>
-        <p:nvPr/>
-      </p:nvGrpSpPr>
-      <p:grpSpPr>
-        <a:xfrm>
-          <a:off x="0" y="0"/>
-          <a:ext cx="0" cy="0"/>
-          <a:chOff x="0" y="0"/>
-          <a:chExt cx="0" cy="0"/>
-        </a:xfrm>
-      </p:grpSpPr>
-      <p:grpSp>
-        <p:nvGrpSpPr>
-          <p:cNvPr id="6" name="Group 5">
-            <a:extLst>
-              <a:ext uri="{FF2B5EF4-FFF2-40B4-BE49-F238E27FC236}">
-                <a16:creationId xmlns:a16="http://schemas.microsoft.com/office/drawing/2014/main" id="{22174F85-31B2-1078-67A3-A19900E2CC66}"/>
-              </a:ext>
-            </a:extLst>
-          </p:cNvPr>
           <p:cNvGrpSpPr>
             <a:grpSpLocks noChangeAspect="1"/>
           </p:cNvGrpSpPr>
@@ -5180,50 +4429,12 @@
           </p:txBody>
         </p:sp>
       </p:grpSp>
-    </p:spTree>
-    <p:extLst>
-      <p:ext uri="{BB962C8B-B14F-4D97-AF65-F5344CB8AC3E}">
-        <p14:creationId xmlns:p14="http://schemas.microsoft.com/office/powerpoint/2010/main" val="4269793188"/>
-      </p:ext>
-    </p:extLst>
-  </p:cSld>
-  <p:clrMapOvr>
-    <a:masterClrMapping/>
-  </p:clrMapOvr>
-</p:sld>
-</file>
-
-<file path=ppt/slides/slide3.xml><?xml version="1.0" encoding="utf-8"?>
-<p:sld xmlns:a="http://schemas.openxmlformats.org/drawingml/2006/main" xmlns:r="http://schemas.openxmlformats.org/officeDocument/2006/relationships" xmlns:p="http://schemas.openxmlformats.org/presentationml/2006/main">
-  <p:cSld>
-    <p:bg>
-      <p:bgPr>
-        <a:solidFill>
-          <a:schemeClr val="bg1"/>
-        </a:solidFill>
-        <a:effectLst/>
-      </p:bgPr>
-    </p:bg>
-    <p:spTree>
-      <p:nvGrpSpPr>
-        <p:cNvPr id="1" name=""/>
-        <p:cNvGrpSpPr/>
-        <p:nvPr/>
-      </p:nvGrpSpPr>
-      <p:grpSpPr>
-        <a:xfrm>
-          <a:off x="0" y="0"/>
-          <a:ext cx="0" cy="0"/>
-          <a:chOff x="0" y="0"/>
-          <a:chExt cx="0" cy="0"/>
-        </a:xfrm>
-      </p:grpSpPr>
       <p:grpSp>
         <p:nvGrpSpPr>
-          <p:cNvPr id="6" name="Group 5">
-            <a:extLst>
-              <a:ext uri="{FF2B5EF4-FFF2-40B4-BE49-F238E27FC236}">
-                <a16:creationId xmlns:a16="http://schemas.microsoft.com/office/drawing/2014/main" id="{22174F85-31B2-1078-67A3-A19900E2CC66}"/>
+          <p:cNvPr id="2" name="Group 1">
+            <a:extLst>
+              <a:ext uri="{FF2B5EF4-FFF2-40B4-BE49-F238E27FC236}">
+                <a16:creationId xmlns:a16="http://schemas.microsoft.com/office/drawing/2014/main" id="{D8EDED01-DA11-5517-C3DC-9A6F80854B9A}"/>
               </a:ext>
             </a:extLst>
           </p:cNvPr>
@@ -5234,369 +4445,21 @@
         </p:nvGrpSpPr>
         <p:grpSpPr>
           <a:xfrm>
-            <a:off x="319314" y="185001"/>
+            <a:off x="9620413" y="2434400"/>
             <a:ext cx="2185200" cy="2145828"/>
             <a:chOff x="2061029" y="2104571"/>
             <a:chExt cx="3222171" cy="3164115"/>
           </a:xfrm>
-        </p:grpSpPr>
-        <p:sp>
-          <p:nvSpPr>
-            <p:cNvPr id="5" name="Rectangle 4">
-              <a:extLst>
-                <a:ext uri="{FF2B5EF4-FFF2-40B4-BE49-F238E27FC236}">
-                  <a16:creationId xmlns:a16="http://schemas.microsoft.com/office/drawing/2014/main" id="{29346DC3-6EFF-DB34-F0A2-5B3A7BD623B1}"/>
-                </a:ext>
-              </a:extLst>
-            </p:cNvPr>
-            <p:cNvSpPr/>
-            <p:nvPr/>
-          </p:nvSpPr>
-          <p:spPr>
-            <a:xfrm>
-              <a:off x="2061029" y="2104571"/>
-              <a:ext cx="3222171" cy="3164115"/>
-            </a:xfrm>
-            <a:prstGeom prst="rect">
-              <a:avLst/>
-            </a:prstGeom>
-            <a:solidFill>
-              <a:srgbClr val="7030A0"/>
-            </a:solidFill>
-            <a:ln>
-              <a:noFill/>
-            </a:ln>
-          </p:spPr>
-          <p:style>
-            <a:lnRef idx="2">
-              <a:schemeClr val="accent1">
-                <a:shade val="15000"/>
-              </a:schemeClr>
-            </a:lnRef>
-            <a:fillRef idx="1">
-              <a:schemeClr val="accent1"/>
-            </a:fillRef>
-            <a:effectRef idx="0">
-              <a:schemeClr val="accent1"/>
-            </a:effectRef>
-            <a:fontRef idx="minor">
-              <a:schemeClr val="lt1"/>
-            </a:fontRef>
-          </p:style>
-          <p:txBody>
-            <a:bodyPr rtlCol="0" anchor="ctr"/>
-            <a:lstStyle/>
-            <a:p>
-              <a:pPr algn="ctr"/>
-              <a:endParaRPr lang="en-CH"/>
-            </a:p>
-          </p:txBody>
-        </p:sp>
-        <p:sp>
-          <p:nvSpPr>
-            <p:cNvPr id="4" name="TextBox 3">
-              <a:extLst>
-                <a:ext uri="{FF2B5EF4-FFF2-40B4-BE49-F238E27FC236}">
-                  <a16:creationId xmlns:a16="http://schemas.microsoft.com/office/drawing/2014/main" id="{3AF41667-1342-14AC-53FE-F006F69A9C71}"/>
-                </a:ext>
-              </a:extLst>
-            </p:cNvPr>
-            <p:cNvSpPr txBox="1"/>
-            <p:nvPr/>
-          </p:nvSpPr>
-          <p:spPr>
-            <a:xfrm>
-              <a:off x="2119086" y="2217003"/>
-              <a:ext cx="2767104" cy="461665"/>
-            </a:xfrm>
-            <a:prstGeom prst="rect">
-              <a:avLst/>
-            </a:prstGeom>
-            <a:noFill/>
-          </p:spPr>
-          <p:txBody>
-            <a:bodyPr wrap="none" rtlCol="0">
-              <a:spAutoFit/>
-            </a:bodyPr>
-            <a:lstStyle/>
-            <a:p>
-              <a:r>
-                <a:rPr lang="en-CH" sz="2400" b="1" dirty="0">
-                  <a:solidFill>
-                    <a:schemeClr val="bg1"/>
-                  </a:solidFill>
-                  <a:latin typeface="Helvetica" pitchFamily="2" charset="0"/>
-                </a:rPr>
-                <a:t>Recommendation</a:t>
-              </a:r>
-            </a:p>
-          </p:txBody>
-        </p:sp>
-      </p:grpSp>
-      <p:grpSp>
-        <p:nvGrpSpPr>
-          <p:cNvPr id="7" name="Group 6">
-            <a:extLst>
-              <a:ext uri="{FF2B5EF4-FFF2-40B4-BE49-F238E27FC236}">
-                <a16:creationId xmlns:a16="http://schemas.microsoft.com/office/drawing/2014/main" id="{BDADEB88-1D5B-994A-DAEF-86D86274D9F1}"/>
-              </a:ext>
-            </a:extLst>
-          </p:cNvPr>
-          <p:cNvGrpSpPr>
-            <a:grpSpLocks noChangeAspect="1"/>
-          </p:cNvGrpSpPr>
-          <p:nvPr/>
-        </p:nvGrpSpPr>
-        <p:grpSpPr>
-          <a:xfrm>
-            <a:off x="3751942" y="185001"/>
-            <a:ext cx="2185200" cy="2145828"/>
-            <a:chOff x="2061029" y="2104571"/>
-            <a:chExt cx="3222171" cy="3164115"/>
-          </a:xfrm>
-        </p:grpSpPr>
-        <p:sp>
-          <p:nvSpPr>
-            <p:cNvPr id="8" name="Rectangle 7">
-              <a:extLst>
-                <a:ext uri="{FF2B5EF4-FFF2-40B4-BE49-F238E27FC236}">
-                  <a16:creationId xmlns:a16="http://schemas.microsoft.com/office/drawing/2014/main" id="{1EC36D14-2B61-A1A5-5DB7-0871AAC411BE}"/>
-                </a:ext>
-              </a:extLst>
-            </p:cNvPr>
-            <p:cNvSpPr/>
-            <p:nvPr/>
-          </p:nvSpPr>
-          <p:spPr>
-            <a:xfrm>
-              <a:off x="2061029" y="2104571"/>
-              <a:ext cx="3222171" cy="3164115"/>
-            </a:xfrm>
-            <a:prstGeom prst="rect">
-              <a:avLst/>
-            </a:prstGeom>
-            <a:solidFill>
-              <a:schemeClr val="accent2">
-                <a:lumMod val="50000"/>
-              </a:schemeClr>
-            </a:solidFill>
-            <a:ln>
-              <a:noFill/>
-            </a:ln>
-          </p:spPr>
-          <p:style>
-            <a:lnRef idx="2">
-              <a:schemeClr val="accent1">
-                <a:shade val="15000"/>
-              </a:schemeClr>
-            </a:lnRef>
-            <a:fillRef idx="1">
-              <a:schemeClr val="accent1"/>
-            </a:fillRef>
-            <a:effectRef idx="0">
-              <a:schemeClr val="accent1"/>
-            </a:effectRef>
-            <a:fontRef idx="minor">
-              <a:schemeClr val="lt1"/>
-            </a:fontRef>
-          </p:style>
-          <p:txBody>
-            <a:bodyPr rtlCol="0" anchor="ctr"/>
-            <a:lstStyle/>
-            <a:p>
-              <a:pPr algn="ctr"/>
-              <a:endParaRPr lang="en-CH" dirty="0"/>
-            </a:p>
-          </p:txBody>
-        </p:sp>
-        <p:sp>
-          <p:nvSpPr>
-            <p:cNvPr id="9" name="TextBox 8">
-              <a:extLst>
-                <a:ext uri="{FF2B5EF4-FFF2-40B4-BE49-F238E27FC236}">
-                  <a16:creationId xmlns:a16="http://schemas.microsoft.com/office/drawing/2014/main" id="{B383675D-69CB-8BB6-2202-E14D3E1DF9DD}"/>
-                </a:ext>
-              </a:extLst>
-            </p:cNvPr>
-            <p:cNvSpPr txBox="1"/>
-            <p:nvPr/>
-          </p:nvSpPr>
-          <p:spPr>
-            <a:xfrm>
-              <a:off x="2119086" y="2217003"/>
-              <a:ext cx="1773242" cy="461665"/>
-            </a:xfrm>
-            <a:prstGeom prst="rect">
-              <a:avLst/>
-            </a:prstGeom>
-            <a:noFill/>
-          </p:spPr>
-          <p:txBody>
-            <a:bodyPr wrap="none" rtlCol="0">
-              <a:spAutoFit/>
-            </a:bodyPr>
-            <a:lstStyle/>
-            <a:p>
-              <a:r>
-                <a:rPr lang="en-CH" sz="2400" b="1" dirty="0">
-                  <a:solidFill>
-                    <a:schemeClr val="bg1"/>
-                  </a:solidFill>
-                  <a:latin typeface="Helvetica" pitchFamily="2" charset="0"/>
-                </a:rPr>
-                <a:t>Regulation</a:t>
-              </a:r>
-            </a:p>
-          </p:txBody>
-        </p:sp>
-      </p:grpSp>
-      <p:grpSp>
-        <p:nvGrpSpPr>
-          <p:cNvPr id="10" name="Group 9">
-            <a:extLst>
-              <a:ext uri="{FF2B5EF4-FFF2-40B4-BE49-F238E27FC236}">
-                <a16:creationId xmlns:a16="http://schemas.microsoft.com/office/drawing/2014/main" id="{CB5C09D8-B81E-9825-21DF-AB17E46618F5}"/>
-              </a:ext>
-            </a:extLst>
-          </p:cNvPr>
-          <p:cNvGrpSpPr>
-            <a:grpSpLocks noChangeAspect="1"/>
-          </p:cNvGrpSpPr>
-          <p:nvPr/>
-        </p:nvGrpSpPr>
-        <p:grpSpPr>
-          <a:xfrm>
-            <a:off x="7184570" y="185000"/>
-            <a:ext cx="2185200" cy="2145828"/>
-            <a:chOff x="2061029" y="2104571"/>
-            <a:chExt cx="3222171" cy="3164115"/>
-          </a:xfrm>
-        </p:grpSpPr>
-        <p:sp>
-          <p:nvSpPr>
-            <p:cNvPr id="11" name="Rectangle 10">
-              <a:extLst>
-                <a:ext uri="{FF2B5EF4-FFF2-40B4-BE49-F238E27FC236}">
-                  <a16:creationId xmlns:a16="http://schemas.microsoft.com/office/drawing/2014/main" id="{012E7E94-1111-5E95-5A07-ADE42D4FC8E5}"/>
-                </a:ext>
-              </a:extLst>
-            </p:cNvPr>
-            <p:cNvSpPr/>
-            <p:nvPr/>
-          </p:nvSpPr>
-          <p:spPr>
-            <a:xfrm>
-              <a:off x="2061029" y="2104571"/>
-              <a:ext cx="3222171" cy="3164115"/>
-            </a:xfrm>
-            <a:prstGeom prst="rect">
-              <a:avLst/>
-            </a:prstGeom>
-            <a:solidFill>
-              <a:schemeClr val="tx2">
-                <a:lumMod val="60000"/>
-                <a:lumOff val="40000"/>
-              </a:schemeClr>
-            </a:solidFill>
-            <a:ln>
-              <a:noFill/>
-            </a:ln>
-          </p:spPr>
-          <p:style>
-            <a:lnRef idx="2">
-              <a:schemeClr val="accent1">
-                <a:shade val="15000"/>
-              </a:schemeClr>
-            </a:lnRef>
-            <a:fillRef idx="1">
-              <a:schemeClr val="accent1"/>
-            </a:fillRef>
-            <a:effectRef idx="0">
-              <a:schemeClr val="accent1"/>
-            </a:effectRef>
-            <a:fontRef idx="minor">
-              <a:schemeClr val="lt1"/>
-            </a:fontRef>
-          </p:style>
-          <p:txBody>
-            <a:bodyPr rtlCol="0" anchor="ctr"/>
-            <a:lstStyle/>
-            <a:p>
-              <a:pPr algn="ctr"/>
-              <a:endParaRPr lang="en-CH"/>
-            </a:p>
-          </p:txBody>
-        </p:sp>
-        <p:sp>
-          <p:nvSpPr>
-            <p:cNvPr id="12" name="TextBox 11">
-              <a:extLst>
-                <a:ext uri="{FF2B5EF4-FFF2-40B4-BE49-F238E27FC236}">
-                  <a16:creationId xmlns:a16="http://schemas.microsoft.com/office/drawing/2014/main" id="{3F2E15CF-EA6D-FC5F-6DBA-4C539646CA05}"/>
-                </a:ext>
-              </a:extLst>
-            </p:cNvPr>
-            <p:cNvSpPr txBox="1"/>
-            <p:nvPr/>
-          </p:nvSpPr>
-          <p:spPr>
-            <a:xfrm>
-              <a:off x="2119086" y="2217003"/>
-              <a:ext cx="2758832" cy="461665"/>
-            </a:xfrm>
-            <a:prstGeom prst="rect">
-              <a:avLst/>
-            </a:prstGeom>
-            <a:noFill/>
-          </p:spPr>
-          <p:txBody>
-            <a:bodyPr wrap="none" rtlCol="0">
-              <a:spAutoFit/>
-            </a:bodyPr>
-            <a:lstStyle/>
-            <a:p>
-              <a:r>
-                <a:rPr lang="en-CH" sz="2400" b="1" dirty="0">
-                  <a:solidFill>
-                    <a:schemeClr val="bg1"/>
-                  </a:solidFill>
-                  <a:latin typeface="Helvetica" pitchFamily="2" charset="0"/>
-                </a:rPr>
-                <a:t>Technical Method</a:t>
-              </a:r>
-            </a:p>
-          </p:txBody>
-        </p:sp>
-      </p:grpSp>
-      <p:grpSp>
-        <p:nvGrpSpPr>
-          <p:cNvPr id="13" name="Group 12">
-            <a:extLst>
-              <a:ext uri="{FF2B5EF4-FFF2-40B4-BE49-F238E27FC236}">
-                <a16:creationId xmlns:a16="http://schemas.microsoft.com/office/drawing/2014/main" id="{20421C82-3587-1070-11BC-6350F2097032}"/>
-              </a:ext>
-            </a:extLst>
-          </p:cNvPr>
-          <p:cNvGrpSpPr/>
-          <p:nvPr/>
-        </p:nvGrpSpPr>
-        <p:grpSpPr>
-          <a:xfrm>
-            <a:off x="319314" y="3508883"/>
-            <a:ext cx="3222171" cy="3164115"/>
-            <a:chOff x="2061029" y="2104571"/>
-            <a:chExt cx="3222171" cy="3164115"/>
-          </a:xfrm>
           <a:solidFill>
-            <a:srgbClr val="FF0000"/>
+            <a:srgbClr val="929000"/>
           </a:solidFill>
         </p:grpSpPr>
         <p:sp>
           <p:nvSpPr>
-            <p:cNvPr id="14" name="Rectangle 13">
+            <p:cNvPr id="3" name="Rectangle 2">
               <a:extLst>
                 <a:ext uri="{FF2B5EF4-FFF2-40B4-BE49-F238E27FC236}">
-                  <a16:creationId xmlns:a16="http://schemas.microsoft.com/office/drawing/2014/main" id="{1077456C-CE90-DAAE-9AFF-040431017E27}"/>
+                  <a16:creationId xmlns:a16="http://schemas.microsoft.com/office/drawing/2014/main" id="{657A2ED7-8465-BE0A-B73F-E15D9EC48CEF}"/>
                 </a:ext>
               </a:extLst>
             </p:cNvPr>
@@ -5637,16 +4500,16 @@
             <a:lstStyle/>
             <a:p>
               <a:pPr algn="ctr"/>
-              <a:endParaRPr lang="en-CH"/>
+              <a:endParaRPr lang="en-CH" sz="1600"/>
             </a:p>
           </p:txBody>
         </p:sp>
         <p:sp>
           <p:nvSpPr>
-            <p:cNvPr id="15" name="TextBox 14">
+            <p:cNvPr id="31" name="TextBox 30">
               <a:extLst>
                 <a:ext uri="{FF2B5EF4-FFF2-40B4-BE49-F238E27FC236}">
-                  <a16:creationId xmlns:a16="http://schemas.microsoft.com/office/drawing/2014/main" id="{C8528810-2DF1-0014-0C32-9C465E266427}"/>
+                  <a16:creationId xmlns:a16="http://schemas.microsoft.com/office/drawing/2014/main" id="{D7A9DD76-9722-8AF8-46BD-91D354B86EB2}"/>
                 </a:ext>
               </a:extLst>
             </p:cNvPr>
@@ -5656,7 +4519,7 @@
           <p:spPr>
             <a:xfrm>
               <a:off x="2119086" y="2217003"/>
-              <a:ext cx="2000869" cy="830997"/>
+              <a:ext cx="2539083" cy="499212"/>
             </a:xfrm>
             <a:prstGeom prst="rect">
               <a:avLst/>
@@ -5670,256 +4533,13 @@
             <a:lstStyle/>
             <a:p>
               <a:r>
-                <a:rPr lang="en-CH" sz="2400" b="1" dirty="0">
+                <a:rPr lang="en-CH" sz="1600" b="1" dirty="0">
                   <a:solidFill>
                     <a:schemeClr val="bg1"/>
                   </a:solidFill>
                   <a:latin typeface="Helvetica" pitchFamily="2" charset="0"/>
                 </a:rPr>
-                <a:t>Assessment</a:t>
-              </a:r>
-            </a:p>
-            <a:p>
-              <a:r>
-                <a:rPr lang="en-CH" sz="2400" b="1" dirty="0">
-                  <a:solidFill>
-                    <a:schemeClr val="bg1"/>
-                  </a:solidFill>
-                  <a:latin typeface="Helvetica" pitchFamily="2" charset="0"/>
-                </a:rPr>
-                <a:t>Tool</a:t>
-              </a:r>
-            </a:p>
-          </p:txBody>
-        </p:sp>
-      </p:grpSp>
-      <p:grpSp>
-        <p:nvGrpSpPr>
-          <p:cNvPr id="16" name="Group 15">
-            <a:extLst>
-              <a:ext uri="{FF2B5EF4-FFF2-40B4-BE49-F238E27FC236}">
-                <a16:creationId xmlns:a16="http://schemas.microsoft.com/office/drawing/2014/main" id="{12FEC487-2E12-AA8E-8023-6D503BD5DDAC}"/>
-              </a:ext>
-            </a:extLst>
-          </p:cNvPr>
-          <p:cNvGrpSpPr/>
-          <p:nvPr/>
-        </p:nvGrpSpPr>
-        <p:grpSpPr>
-          <a:xfrm>
-            <a:off x="3751942" y="3508883"/>
-            <a:ext cx="3222171" cy="3164115"/>
-            <a:chOff x="2061029" y="2104571"/>
-            <a:chExt cx="3222171" cy="3164115"/>
-          </a:xfrm>
-          <a:solidFill>
-            <a:schemeClr val="bg2">
-              <a:lumMod val="50000"/>
-            </a:schemeClr>
-          </a:solidFill>
-        </p:grpSpPr>
-        <p:sp>
-          <p:nvSpPr>
-            <p:cNvPr id="17" name="Rectangle 16">
-              <a:extLst>
-                <a:ext uri="{FF2B5EF4-FFF2-40B4-BE49-F238E27FC236}">
-                  <a16:creationId xmlns:a16="http://schemas.microsoft.com/office/drawing/2014/main" id="{B25C1D33-F47A-216A-DD1E-B0F64F70CD71}"/>
-                </a:ext>
-              </a:extLst>
-            </p:cNvPr>
-            <p:cNvSpPr/>
-            <p:nvPr/>
-          </p:nvSpPr>
-          <p:spPr>
-            <a:xfrm>
-              <a:off x="2061029" y="2104571"/>
-              <a:ext cx="3222171" cy="3164115"/>
-            </a:xfrm>
-            <a:prstGeom prst="rect">
-              <a:avLst/>
-            </a:prstGeom>
-            <a:grpFill/>
-            <a:ln>
-              <a:noFill/>
-            </a:ln>
-          </p:spPr>
-          <p:style>
-            <a:lnRef idx="2">
-              <a:schemeClr val="accent1">
-                <a:shade val="15000"/>
-              </a:schemeClr>
-            </a:lnRef>
-            <a:fillRef idx="1">
-              <a:schemeClr val="accent1"/>
-            </a:fillRef>
-            <a:effectRef idx="0">
-              <a:schemeClr val="accent1"/>
-            </a:effectRef>
-            <a:fontRef idx="minor">
-              <a:schemeClr val="lt1"/>
-            </a:fontRef>
-          </p:style>
-          <p:txBody>
-            <a:bodyPr rtlCol="0" anchor="ctr"/>
-            <a:lstStyle/>
-            <a:p>
-              <a:pPr algn="ctr"/>
-              <a:endParaRPr lang="en-CH"/>
-            </a:p>
-          </p:txBody>
-        </p:sp>
-        <p:sp>
-          <p:nvSpPr>
-            <p:cNvPr id="18" name="TextBox 17">
-              <a:extLst>
-                <a:ext uri="{FF2B5EF4-FFF2-40B4-BE49-F238E27FC236}">
-                  <a16:creationId xmlns:a16="http://schemas.microsoft.com/office/drawing/2014/main" id="{637210FD-9A8C-EC4D-E7D2-BD78A5B3B3DF}"/>
-                </a:ext>
-              </a:extLst>
-            </p:cNvPr>
-            <p:cNvSpPr txBox="1"/>
-            <p:nvPr/>
-          </p:nvSpPr>
-          <p:spPr>
-            <a:xfrm>
-              <a:off x="2119086" y="2217003"/>
-              <a:ext cx="1313180" cy="461665"/>
-            </a:xfrm>
-            <a:prstGeom prst="rect">
-              <a:avLst/>
-            </a:prstGeom>
-            <a:grpFill/>
-          </p:spPr>
-          <p:txBody>
-            <a:bodyPr wrap="none" rtlCol="0">
-              <a:spAutoFit/>
-            </a:bodyPr>
-            <a:lstStyle/>
-            <a:p>
-              <a:r>
-                <a:rPr lang="en-CH" sz="2400" b="1" dirty="0">
-                  <a:solidFill>
-                    <a:schemeClr val="bg1"/>
-                  </a:solidFill>
-                  <a:latin typeface="Helvetica" pitchFamily="2" charset="0"/>
-                </a:rPr>
-                <a:t>Catalog</a:t>
-              </a:r>
-            </a:p>
-          </p:txBody>
-        </p:sp>
-      </p:grpSp>
-      <p:grpSp>
-        <p:nvGrpSpPr>
-          <p:cNvPr id="19" name="Group 18">
-            <a:extLst>
-              <a:ext uri="{FF2B5EF4-FFF2-40B4-BE49-F238E27FC236}">
-                <a16:creationId xmlns:a16="http://schemas.microsoft.com/office/drawing/2014/main" id="{16B41A88-6F17-4FB6-0C72-800D52FC145B}"/>
-              </a:ext>
-            </a:extLst>
-          </p:cNvPr>
-          <p:cNvGrpSpPr/>
-          <p:nvPr/>
-        </p:nvGrpSpPr>
-        <p:grpSpPr>
-          <a:xfrm>
-            <a:off x="7184570" y="3508882"/>
-            <a:ext cx="3222171" cy="3164115"/>
-            <a:chOff x="2061029" y="2104571"/>
-            <a:chExt cx="3222171" cy="3164115"/>
-          </a:xfrm>
-          <a:solidFill>
-            <a:schemeClr val="accent4">
-              <a:lumMod val="75000"/>
-            </a:schemeClr>
-          </a:solidFill>
-        </p:grpSpPr>
-        <p:sp>
-          <p:nvSpPr>
-            <p:cNvPr id="20" name="Rectangle 19">
-              <a:extLst>
-                <a:ext uri="{FF2B5EF4-FFF2-40B4-BE49-F238E27FC236}">
-                  <a16:creationId xmlns:a16="http://schemas.microsoft.com/office/drawing/2014/main" id="{AFDE8690-A1D1-6DD7-7F72-CA29A582C105}"/>
-                </a:ext>
-              </a:extLst>
-            </p:cNvPr>
-            <p:cNvSpPr/>
-            <p:nvPr/>
-          </p:nvSpPr>
-          <p:spPr>
-            <a:xfrm>
-              <a:off x="2061029" y="2104571"/>
-              <a:ext cx="3222171" cy="3164115"/>
-            </a:xfrm>
-            <a:prstGeom prst="rect">
-              <a:avLst/>
-            </a:prstGeom>
-            <a:grpFill/>
-            <a:ln>
-              <a:noFill/>
-            </a:ln>
-          </p:spPr>
-          <p:style>
-            <a:lnRef idx="2">
-              <a:schemeClr val="accent1">
-                <a:shade val="15000"/>
-              </a:schemeClr>
-            </a:lnRef>
-            <a:fillRef idx="1">
-              <a:schemeClr val="accent1"/>
-            </a:fillRef>
-            <a:effectRef idx="0">
-              <a:schemeClr val="accent1"/>
-            </a:effectRef>
-            <a:fontRef idx="minor">
-              <a:schemeClr val="lt1"/>
-            </a:fontRef>
-          </p:style>
-          <p:txBody>
-            <a:bodyPr rtlCol="0" anchor="ctr"/>
-            <a:lstStyle/>
-            <a:p>
-              <a:pPr algn="ctr"/>
-              <a:endParaRPr lang="en-CH"/>
-            </a:p>
-          </p:txBody>
-        </p:sp>
-        <p:sp>
-          <p:nvSpPr>
-            <p:cNvPr id="21" name="TextBox 20">
-              <a:extLst>
-                <a:ext uri="{FF2B5EF4-FFF2-40B4-BE49-F238E27FC236}">
-                  <a16:creationId xmlns:a16="http://schemas.microsoft.com/office/drawing/2014/main" id="{50CB80DE-2A0B-3DC3-E449-E872CBA848F5}"/>
-                </a:ext>
-              </a:extLst>
-            </p:cNvPr>
-            <p:cNvSpPr txBox="1"/>
-            <p:nvPr/>
-          </p:nvSpPr>
-          <p:spPr>
-            <a:xfrm>
-              <a:off x="2119086" y="2217003"/>
-              <a:ext cx="2063385" cy="461665"/>
-            </a:xfrm>
-            <a:prstGeom prst="rect">
-              <a:avLst/>
-            </a:prstGeom>
-            <a:grpFill/>
-          </p:spPr>
-          <p:txBody>
-            <a:bodyPr wrap="none" rtlCol="0">
-              <a:spAutoFit/>
-            </a:bodyPr>
-            <a:lstStyle/>
-            <a:p>
-              <a:r>
-                <a:rPr lang="en-CH" sz="2400" b="1" dirty="0">
-                  <a:solidFill>
-                    <a:schemeClr val="bg1"/>
-                  </a:solidFill>
-                  <a:latin typeface="Helvetica" pitchFamily="2" charset="0"/>
-                </a:rPr>
-                <a:t>Organization</a:t>
+                <a:t>Research paper</a:t>
               </a:r>
             </a:p>
           </p:txBody>
@@ -5928,7 +4548,7 @@
     </p:spTree>
     <p:extLst>
       <p:ext uri="{BB962C8B-B14F-4D97-AF65-F5344CB8AC3E}">
-        <p14:creationId xmlns:p14="http://schemas.microsoft.com/office/powerpoint/2010/main" val="3407432342"/>
+        <p14:creationId xmlns:p14="http://schemas.microsoft.com/office/powerpoint/2010/main" val="4269793188"/>
       </p:ext>
     </p:extLst>
   </p:cSld>
@@ -5938,17 +4558,9 @@
 </p:sld>
 </file>
 
-<file path=ppt/slides/slide4.xml><?xml version="1.0" encoding="utf-8"?>
+<file path=ppt/slides/slide2.xml><?xml version="1.0" encoding="utf-8"?>
 <p:sld xmlns:a="http://schemas.openxmlformats.org/drawingml/2006/main" xmlns:r="http://schemas.openxmlformats.org/officeDocument/2006/relationships" xmlns:p="http://schemas.openxmlformats.org/presentationml/2006/main">
   <p:cSld>
-    <p:bg>
-      <p:bgPr>
-        <a:solidFill>
-          <a:schemeClr val="bg1"/>
-        </a:solidFill>
-        <a:effectLst/>
-      </p:bgPr>
-    </p:bg>
     <p:spTree>
       <p:nvGrpSpPr>
         <p:cNvPr id="1" name=""/>
@@ -5963,719 +4575,70 @@
           <a:chExt cx="0" cy="0"/>
         </a:xfrm>
       </p:grpSpPr>
-      <p:grpSp>
-        <p:nvGrpSpPr>
-          <p:cNvPr id="6" name="Group 5">
-            <a:extLst>
-              <a:ext uri="{FF2B5EF4-FFF2-40B4-BE49-F238E27FC236}">
-                <a16:creationId xmlns:a16="http://schemas.microsoft.com/office/drawing/2014/main" id="{22174F85-31B2-1078-67A3-A19900E2CC66}"/>
-              </a:ext>
-            </a:extLst>
-          </p:cNvPr>
-          <p:cNvGrpSpPr/>
+      <p:pic>
+        <p:nvPicPr>
+          <p:cNvPr id="2" name="Picture 1">
+            <a:extLst>
+              <a:ext uri="{FF2B5EF4-FFF2-40B4-BE49-F238E27FC236}">
+                <a16:creationId xmlns:a16="http://schemas.microsoft.com/office/drawing/2014/main" id="{C2A86C37-EF0F-DCB7-A357-A2CF4672AD0F}"/>
+              </a:ext>
+            </a:extLst>
+          </p:cNvPr>
+          <p:cNvPicPr>
+            <a:picLocks noChangeAspect="1"/>
+          </p:cNvPicPr>
           <p:nvPr/>
-        </p:nvGrpSpPr>
-        <p:grpSpPr>
+        </p:nvPicPr>
+        <p:blipFill>
+          <a:blip r:embed="rId2"/>
+          <a:stretch>
+            <a:fillRect/>
+          </a:stretch>
+        </p:blipFill>
+        <p:spPr>
           <a:xfrm>
-            <a:off x="319314" y="185002"/>
-            <a:ext cx="11640457" cy="1368027"/>
-            <a:chOff x="2061029" y="2104571"/>
-            <a:chExt cx="11640457" cy="1368027"/>
+            <a:off x="2209800" y="2884233"/>
+            <a:ext cx="7772400" cy="1089534"/>
           </a:xfrm>
-        </p:grpSpPr>
-        <p:sp>
-          <p:nvSpPr>
-            <p:cNvPr id="5" name="Rectangle 4">
-              <a:extLst>
-                <a:ext uri="{FF2B5EF4-FFF2-40B4-BE49-F238E27FC236}">
-                  <a16:creationId xmlns:a16="http://schemas.microsoft.com/office/drawing/2014/main" id="{29346DC3-6EFF-DB34-F0A2-5B3A7BD623B1}"/>
-                </a:ext>
-              </a:extLst>
-            </p:cNvPr>
-            <p:cNvSpPr/>
-            <p:nvPr/>
-          </p:nvSpPr>
-          <p:spPr>
-            <a:xfrm>
-              <a:off x="2061029" y="2104571"/>
-              <a:ext cx="11640457" cy="1368027"/>
-            </a:xfrm>
-            <a:prstGeom prst="rect">
-              <a:avLst/>
-            </a:prstGeom>
-            <a:solidFill>
-              <a:schemeClr val="accent2"/>
-            </a:solidFill>
-            <a:ln>
-              <a:noFill/>
-            </a:ln>
-          </p:spPr>
-          <p:style>
-            <a:lnRef idx="2">
-              <a:schemeClr val="accent1">
-                <a:shade val="15000"/>
-              </a:schemeClr>
-            </a:lnRef>
-            <a:fillRef idx="1">
-              <a:schemeClr val="accent1"/>
-            </a:fillRef>
-            <a:effectRef idx="0">
-              <a:schemeClr val="accent1"/>
-            </a:effectRef>
-            <a:fontRef idx="minor">
-              <a:schemeClr val="lt1"/>
-            </a:fontRef>
-          </p:style>
-          <p:txBody>
-            <a:bodyPr rtlCol="0" anchor="ctr"/>
-            <a:lstStyle/>
-            <a:p>
-              <a:pPr algn="ctr"/>
-              <a:endParaRPr lang="en-CH"/>
-            </a:p>
-          </p:txBody>
-        </p:sp>
-        <p:sp>
-          <p:nvSpPr>
-            <p:cNvPr id="4" name="TextBox 3">
-              <a:extLst>
-                <a:ext uri="{FF2B5EF4-FFF2-40B4-BE49-F238E27FC236}">
-                  <a16:creationId xmlns:a16="http://schemas.microsoft.com/office/drawing/2014/main" id="{3AF41667-1342-14AC-53FE-F006F69A9C71}"/>
-                </a:ext>
-              </a:extLst>
-            </p:cNvPr>
-            <p:cNvSpPr txBox="1"/>
-            <p:nvPr/>
-          </p:nvSpPr>
-          <p:spPr>
-            <a:xfrm>
-              <a:off x="2119086" y="2217003"/>
-              <a:ext cx="1842171" cy="830997"/>
-            </a:xfrm>
-            <a:prstGeom prst="rect">
-              <a:avLst/>
-            </a:prstGeom>
-            <a:noFill/>
-          </p:spPr>
-          <p:txBody>
-            <a:bodyPr wrap="none" rtlCol="0">
-              <a:spAutoFit/>
-            </a:bodyPr>
-            <a:lstStyle/>
-            <a:p>
-              <a:r>
-                <a:rPr lang="en-CH" sz="2400" b="1" dirty="0">
-                  <a:solidFill>
-                    <a:schemeClr val="bg1"/>
-                  </a:solidFill>
-                  <a:latin typeface="Helvetica" pitchFamily="2" charset="0"/>
-                </a:rPr>
-                <a:t>Suggested </a:t>
-              </a:r>
-            </a:p>
-            <a:p>
-              <a:r>
-                <a:rPr lang="en-CH" sz="2400" b="1" dirty="0">
-                  <a:solidFill>
-                    <a:schemeClr val="bg1"/>
-                  </a:solidFill>
-                  <a:latin typeface="Helvetica" pitchFamily="2" charset="0"/>
-                </a:rPr>
-                <a:t>Reading</a:t>
-              </a:r>
-            </a:p>
-          </p:txBody>
-        </p:sp>
-      </p:grpSp>
-      <p:grpSp>
-        <p:nvGrpSpPr>
-          <p:cNvPr id="7" name="Group 6">
-            <a:extLst>
-              <a:ext uri="{FF2B5EF4-FFF2-40B4-BE49-F238E27FC236}">
-                <a16:creationId xmlns:a16="http://schemas.microsoft.com/office/drawing/2014/main" id="{BDADEB88-1D5B-994A-DAEF-86D86274D9F1}"/>
-              </a:ext>
-            </a:extLst>
-          </p:cNvPr>
-          <p:cNvGrpSpPr/>
+          <a:prstGeom prst="rect">
+            <a:avLst/>
+          </a:prstGeom>
+        </p:spPr>
+      </p:pic>
+      <p:pic>
+        <p:nvPicPr>
+          <p:cNvPr id="3" name="Picture 2">
+            <a:extLst>
+              <a:ext uri="{FF2B5EF4-FFF2-40B4-BE49-F238E27FC236}">
+                <a16:creationId xmlns:a16="http://schemas.microsoft.com/office/drawing/2014/main" id="{20E6627B-DAEA-B14C-8284-CDF6C8D43B7E}"/>
+              </a:ext>
+            </a:extLst>
+          </p:cNvPr>
+          <p:cNvPicPr>
+            <a:picLocks noChangeAspect="1"/>
+          </p:cNvPicPr>
           <p:nvPr/>
-        </p:nvGrpSpPr>
-        <p:grpSpPr>
+        </p:nvPicPr>
+        <p:blipFill>
+          <a:blip r:embed="rId3"/>
+          <a:stretch>
+            <a:fillRect/>
+          </a:stretch>
+        </p:blipFill>
+        <p:spPr>
           <a:xfrm>
-            <a:off x="316495" y="1694041"/>
-            <a:ext cx="11640457" cy="1368027"/>
-            <a:chOff x="2061029" y="2104571"/>
-            <a:chExt cx="8207829" cy="1368027"/>
+            <a:off x="2209800" y="4502576"/>
+            <a:ext cx="7772400" cy="1089534"/>
           </a:xfrm>
-        </p:grpSpPr>
-        <p:sp>
-          <p:nvSpPr>
-            <p:cNvPr id="8" name="Rectangle 7">
-              <a:extLst>
-                <a:ext uri="{FF2B5EF4-FFF2-40B4-BE49-F238E27FC236}">
-                  <a16:creationId xmlns:a16="http://schemas.microsoft.com/office/drawing/2014/main" id="{1EC36D14-2B61-A1A5-5DB7-0871AAC411BE}"/>
-                </a:ext>
-              </a:extLst>
-            </p:cNvPr>
-            <p:cNvSpPr/>
-            <p:nvPr/>
-          </p:nvSpPr>
-          <p:spPr>
-            <a:xfrm>
-              <a:off x="2061029" y="2104571"/>
-              <a:ext cx="8207829" cy="1368027"/>
-            </a:xfrm>
-            <a:prstGeom prst="rect">
-              <a:avLst/>
-            </a:prstGeom>
-            <a:solidFill>
-              <a:srgbClr val="0070C0"/>
-            </a:solidFill>
-            <a:ln>
-              <a:noFill/>
-            </a:ln>
-          </p:spPr>
-          <p:style>
-            <a:lnRef idx="2">
-              <a:schemeClr val="accent1">
-                <a:shade val="15000"/>
-              </a:schemeClr>
-            </a:lnRef>
-            <a:fillRef idx="1">
-              <a:schemeClr val="accent1"/>
-            </a:fillRef>
-            <a:effectRef idx="0">
-              <a:schemeClr val="accent1"/>
-            </a:effectRef>
-            <a:fontRef idx="minor">
-              <a:schemeClr val="lt1"/>
-            </a:fontRef>
-          </p:style>
-          <p:txBody>
-            <a:bodyPr rtlCol="0" anchor="ctr"/>
-            <a:lstStyle/>
-            <a:p>
-              <a:pPr algn="ctr"/>
-              <a:endParaRPr lang="en-CH" dirty="0"/>
-            </a:p>
-          </p:txBody>
-        </p:sp>
-        <p:sp>
-          <p:nvSpPr>
-            <p:cNvPr id="9" name="TextBox 8">
-              <a:extLst>
-                <a:ext uri="{FF2B5EF4-FFF2-40B4-BE49-F238E27FC236}">
-                  <a16:creationId xmlns:a16="http://schemas.microsoft.com/office/drawing/2014/main" id="{B383675D-69CB-8BB6-2202-E14D3E1DF9DD}"/>
-                </a:ext>
-              </a:extLst>
-            </p:cNvPr>
-            <p:cNvSpPr txBox="1"/>
-            <p:nvPr/>
-          </p:nvSpPr>
-          <p:spPr>
-            <a:xfrm>
-              <a:off x="2119086" y="2217003"/>
-              <a:ext cx="1518364" cy="461665"/>
-            </a:xfrm>
-            <a:prstGeom prst="rect">
-              <a:avLst/>
-            </a:prstGeom>
-            <a:noFill/>
-          </p:spPr>
-          <p:txBody>
-            <a:bodyPr wrap="none" rtlCol="0">
-              <a:spAutoFit/>
-            </a:bodyPr>
-            <a:lstStyle/>
-            <a:p>
-              <a:r>
-                <a:rPr lang="en-CH" sz="2400" b="1" dirty="0">
-                  <a:solidFill>
-                    <a:schemeClr val="bg1"/>
-                  </a:solidFill>
-                  <a:latin typeface="Helvetica" pitchFamily="2" charset="0"/>
-                </a:rPr>
-                <a:t>Standard</a:t>
-              </a:r>
-            </a:p>
-          </p:txBody>
-        </p:sp>
-      </p:grpSp>
-      <p:grpSp>
-        <p:nvGrpSpPr>
-          <p:cNvPr id="10" name="Group 9">
-            <a:extLst>
-              <a:ext uri="{FF2B5EF4-FFF2-40B4-BE49-F238E27FC236}">
-                <a16:creationId xmlns:a16="http://schemas.microsoft.com/office/drawing/2014/main" id="{CB5C09D8-B81E-9825-21DF-AB17E46618F5}"/>
-              </a:ext>
-            </a:extLst>
-          </p:cNvPr>
-          <p:cNvGrpSpPr/>
-          <p:nvPr/>
-        </p:nvGrpSpPr>
-        <p:grpSpPr>
-          <a:xfrm>
-            <a:off x="319313" y="3174500"/>
-            <a:ext cx="11637639" cy="1368028"/>
-            <a:chOff x="2061029" y="2104572"/>
-            <a:chExt cx="11637639" cy="1368028"/>
-          </a:xfrm>
-        </p:grpSpPr>
-        <p:sp>
-          <p:nvSpPr>
-            <p:cNvPr id="11" name="Rectangle 10">
-              <a:extLst>
-                <a:ext uri="{FF2B5EF4-FFF2-40B4-BE49-F238E27FC236}">
-                  <a16:creationId xmlns:a16="http://schemas.microsoft.com/office/drawing/2014/main" id="{012E7E94-1111-5E95-5A07-ADE42D4FC8E5}"/>
-                </a:ext>
-              </a:extLst>
-            </p:cNvPr>
-            <p:cNvSpPr/>
-            <p:nvPr/>
-          </p:nvSpPr>
-          <p:spPr>
-            <a:xfrm>
-              <a:off x="2061029" y="2104572"/>
-              <a:ext cx="11637639" cy="1368028"/>
-            </a:xfrm>
-            <a:prstGeom prst="rect">
-              <a:avLst/>
-            </a:prstGeom>
-            <a:solidFill>
-              <a:schemeClr val="accent6">
-                <a:lumMod val="75000"/>
-              </a:schemeClr>
-            </a:solidFill>
-            <a:ln>
-              <a:noFill/>
-            </a:ln>
-          </p:spPr>
-          <p:style>
-            <a:lnRef idx="2">
-              <a:schemeClr val="accent1">
-                <a:shade val="15000"/>
-              </a:schemeClr>
-            </a:lnRef>
-            <a:fillRef idx="1">
-              <a:schemeClr val="accent1"/>
-            </a:fillRef>
-            <a:effectRef idx="0">
-              <a:schemeClr val="accent1"/>
-            </a:effectRef>
-            <a:fontRef idx="minor">
-              <a:schemeClr val="lt1"/>
-            </a:fontRef>
-          </p:style>
-          <p:txBody>
-            <a:bodyPr rtlCol="0" anchor="ctr"/>
-            <a:lstStyle/>
-            <a:p>
-              <a:pPr algn="ctr"/>
-              <a:endParaRPr lang="en-CH"/>
-            </a:p>
-          </p:txBody>
-        </p:sp>
-        <p:sp>
-          <p:nvSpPr>
-            <p:cNvPr id="12" name="TextBox 11">
-              <a:extLst>
-                <a:ext uri="{FF2B5EF4-FFF2-40B4-BE49-F238E27FC236}">
-                  <a16:creationId xmlns:a16="http://schemas.microsoft.com/office/drawing/2014/main" id="{3F2E15CF-EA6D-FC5F-6DBA-4C539646CA05}"/>
-                </a:ext>
-              </a:extLst>
-            </p:cNvPr>
-            <p:cNvSpPr txBox="1"/>
-            <p:nvPr/>
-          </p:nvSpPr>
-          <p:spPr>
-            <a:xfrm>
-              <a:off x="2119086" y="2217003"/>
-              <a:ext cx="1176925" cy="461665"/>
-            </a:xfrm>
-            <a:prstGeom prst="rect">
-              <a:avLst/>
-            </a:prstGeom>
-            <a:noFill/>
-          </p:spPr>
-          <p:txBody>
-            <a:bodyPr wrap="none" rtlCol="0">
-              <a:spAutoFit/>
-            </a:bodyPr>
-            <a:lstStyle/>
-            <a:p>
-              <a:r>
-                <a:rPr lang="en-CH" sz="2400" b="1" dirty="0">
-                  <a:solidFill>
-                    <a:schemeClr val="bg1"/>
-                  </a:solidFill>
-                  <a:latin typeface="Helvetica" pitchFamily="2" charset="0"/>
-                </a:rPr>
-                <a:t>Report</a:t>
-              </a:r>
-            </a:p>
-          </p:txBody>
-        </p:sp>
-      </p:grpSp>
-      <p:grpSp>
-        <p:nvGrpSpPr>
-          <p:cNvPr id="13" name="Group 12">
-            <a:extLst>
-              <a:ext uri="{FF2B5EF4-FFF2-40B4-BE49-F238E27FC236}">
-                <a16:creationId xmlns:a16="http://schemas.microsoft.com/office/drawing/2014/main" id="{20421C82-3587-1070-11BC-6350F2097032}"/>
-              </a:ext>
-            </a:extLst>
-          </p:cNvPr>
-          <p:cNvGrpSpPr/>
-          <p:nvPr/>
-        </p:nvGrpSpPr>
-        <p:grpSpPr>
-          <a:xfrm>
-            <a:off x="316495" y="4688452"/>
-            <a:ext cx="11637638" cy="1368028"/>
-            <a:chOff x="2061029" y="2104572"/>
-            <a:chExt cx="11637638" cy="1368028"/>
-          </a:xfrm>
-          <a:solidFill>
-            <a:srgbClr val="FF0000"/>
-          </a:solidFill>
-        </p:grpSpPr>
-        <p:sp>
-          <p:nvSpPr>
-            <p:cNvPr id="14" name="Rectangle 13">
-              <a:extLst>
-                <a:ext uri="{FF2B5EF4-FFF2-40B4-BE49-F238E27FC236}">
-                  <a16:creationId xmlns:a16="http://schemas.microsoft.com/office/drawing/2014/main" id="{1077456C-CE90-DAAE-9AFF-040431017E27}"/>
-                </a:ext>
-              </a:extLst>
-            </p:cNvPr>
-            <p:cNvSpPr/>
-            <p:nvPr/>
-          </p:nvSpPr>
-          <p:spPr>
-            <a:xfrm>
-              <a:off x="2061029" y="2104572"/>
-              <a:ext cx="11637638" cy="1368028"/>
-            </a:xfrm>
-            <a:prstGeom prst="rect">
-              <a:avLst/>
-            </a:prstGeom>
-            <a:grpFill/>
-            <a:ln>
-              <a:noFill/>
-            </a:ln>
-          </p:spPr>
-          <p:style>
-            <a:lnRef idx="2">
-              <a:schemeClr val="accent1">
-                <a:shade val="15000"/>
-              </a:schemeClr>
-            </a:lnRef>
-            <a:fillRef idx="1">
-              <a:schemeClr val="accent1"/>
-            </a:fillRef>
-            <a:effectRef idx="0">
-              <a:schemeClr val="accent1"/>
-            </a:effectRef>
-            <a:fontRef idx="minor">
-              <a:schemeClr val="lt1"/>
-            </a:fontRef>
-          </p:style>
-          <p:txBody>
-            <a:bodyPr rtlCol="0" anchor="ctr"/>
-            <a:lstStyle/>
-            <a:p>
-              <a:pPr algn="ctr"/>
-              <a:endParaRPr lang="en-CH"/>
-            </a:p>
-          </p:txBody>
-        </p:sp>
-        <p:sp>
-          <p:nvSpPr>
-            <p:cNvPr id="15" name="TextBox 14">
-              <a:extLst>
-                <a:ext uri="{FF2B5EF4-FFF2-40B4-BE49-F238E27FC236}">
-                  <a16:creationId xmlns:a16="http://schemas.microsoft.com/office/drawing/2014/main" id="{C8528810-2DF1-0014-0C32-9C465E266427}"/>
-                </a:ext>
-              </a:extLst>
-            </p:cNvPr>
-            <p:cNvSpPr txBox="1"/>
-            <p:nvPr/>
-          </p:nvSpPr>
-          <p:spPr>
-            <a:xfrm>
-              <a:off x="2119086" y="2217003"/>
-              <a:ext cx="2000869" cy="830997"/>
-            </a:xfrm>
-            <a:prstGeom prst="rect">
-              <a:avLst/>
-            </a:prstGeom>
-            <a:grpFill/>
-          </p:spPr>
-          <p:txBody>
-            <a:bodyPr wrap="none" rtlCol="0">
-              <a:spAutoFit/>
-            </a:bodyPr>
-            <a:lstStyle/>
-            <a:p>
-              <a:r>
-                <a:rPr lang="en-CH" sz="2400" b="1" dirty="0">
-                  <a:solidFill>
-                    <a:schemeClr val="bg1"/>
-                  </a:solidFill>
-                  <a:latin typeface="Helvetica" pitchFamily="2" charset="0"/>
-                </a:rPr>
-                <a:t>Assessment</a:t>
-              </a:r>
-            </a:p>
-            <a:p>
-              <a:r>
-                <a:rPr lang="en-CH" sz="2400" b="1" dirty="0">
-                  <a:solidFill>
-                    <a:schemeClr val="bg1"/>
-                  </a:solidFill>
-                  <a:latin typeface="Helvetica" pitchFamily="2" charset="0"/>
-                </a:rPr>
-                <a:t>Tool</a:t>
-              </a:r>
-            </a:p>
-          </p:txBody>
-        </p:sp>
-      </p:grpSp>
-      <p:grpSp>
-        <p:nvGrpSpPr>
-          <p:cNvPr id="16" name="Group 15">
-            <a:extLst>
-              <a:ext uri="{FF2B5EF4-FFF2-40B4-BE49-F238E27FC236}">
-                <a16:creationId xmlns:a16="http://schemas.microsoft.com/office/drawing/2014/main" id="{12FEC487-2E12-AA8E-8023-6D503BD5DDAC}"/>
-              </a:ext>
-            </a:extLst>
-          </p:cNvPr>
-          <p:cNvGrpSpPr/>
-          <p:nvPr/>
-        </p:nvGrpSpPr>
-        <p:grpSpPr>
-          <a:xfrm>
-            <a:off x="316495" y="6218758"/>
-            <a:ext cx="11637638" cy="1368027"/>
-            <a:chOff x="2061029" y="2104571"/>
-            <a:chExt cx="11637638" cy="1368027"/>
-          </a:xfrm>
-          <a:solidFill>
-            <a:schemeClr val="bg2">
-              <a:lumMod val="50000"/>
-            </a:schemeClr>
-          </a:solidFill>
-        </p:grpSpPr>
-        <p:sp>
-          <p:nvSpPr>
-            <p:cNvPr id="17" name="Rectangle 16">
-              <a:extLst>
-                <a:ext uri="{FF2B5EF4-FFF2-40B4-BE49-F238E27FC236}">
-                  <a16:creationId xmlns:a16="http://schemas.microsoft.com/office/drawing/2014/main" id="{B25C1D33-F47A-216A-DD1E-B0F64F70CD71}"/>
-                </a:ext>
-              </a:extLst>
-            </p:cNvPr>
-            <p:cNvSpPr/>
-            <p:nvPr/>
-          </p:nvSpPr>
-          <p:spPr>
-            <a:xfrm>
-              <a:off x="2061029" y="2104571"/>
-              <a:ext cx="11637638" cy="1368027"/>
-            </a:xfrm>
-            <a:prstGeom prst="rect">
-              <a:avLst/>
-            </a:prstGeom>
-            <a:grpFill/>
-            <a:ln>
-              <a:noFill/>
-            </a:ln>
-          </p:spPr>
-          <p:style>
-            <a:lnRef idx="2">
-              <a:schemeClr val="accent1">
-                <a:shade val="15000"/>
-              </a:schemeClr>
-            </a:lnRef>
-            <a:fillRef idx="1">
-              <a:schemeClr val="accent1"/>
-            </a:fillRef>
-            <a:effectRef idx="0">
-              <a:schemeClr val="accent1"/>
-            </a:effectRef>
-            <a:fontRef idx="minor">
-              <a:schemeClr val="lt1"/>
-            </a:fontRef>
-          </p:style>
-          <p:txBody>
-            <a:bodyPr rtlCol="0" anchor="ctr"/>
-            <a:lstStyle/>
-            <a:p>
-              <a:pPr algn="ctr"/>
-              <a:endParaRPr lang="en-CH"/>
-            </a:p>
-          </p:txBody>
-        </p:sp>
-        <p:sp>
-          <p:nvSpPr>
-            <p:cNvPr id="18" name="TextBox 17">
-              <a:extLst>
-                <a:ext uri="{FF2B5EF4-FFF2-40B4-BE49-F238E27FC236}">
-                  <a16:creationId xmlns:a16="http://schemas.microsoft.com/office/drawing/2014/main" id="{637210FD-9A8C-EC4D-E7D2-BD78A5B3B3DF}"/>
-                </a:ext>
-              </a:extLst>
-            </p:cNvPr>
-            <p:cNvSpPr txBox="1"/>
-            <p:nvPr/>
-          </p:nvSpPr>
-          <p:spPr>
-            <a:xfrm>
-              <a:off x="2119086" y="2217003"/>
-              <a:ext cx="1313180" cy="461665"/>
-            </a:xfrm>
-            <a:prstGeom prst="rect">
-              <a:avLst/>
-            </a:prstGeom>
-            <a:grpFill/>
-          </p:spPr>
-          <p:txBody>
-            <a:bodyPr wrap="none" rtlCol="0">
-              <a:spAutoFit/>
-            </a:bodyPr>
-            <a:lstStyle/>
-            <a:p>
-              <a:r>
-                <a:rPr lang="en-CH" sz="2400" b="1" dirty="0">
-                  <a:solidFill>
-                    <a:schemeClr val="bg1"/>
-                  </a:solidFill>
-                  <a:latin typeface="Helvetica" pitchFamily="2" charset="0"/>
-                </a:rPr>
-                <a:t>Catalog</a:t>
-              </a:r>
-            </a:p>
-          </p:txBody>
-        </p:sp>
-      </p:grpSp>
-      <p:grpSp>
-        <p:nvGrpSpPr>
-          <p:cNvPr id="19" name="Group 18">
-            <a:extLst>
-              <a:ext uri="{FF2B5EF4-FFF2-40B4-BE49-F238E27FC236}">
-                <a16:creationId xmlns:a16="http://schemas.microsoft.com/office/drawing/2014/main" id="{16B41A88-6F17-4FB6-0C72-800D52FC145B}"/>
-              </a:ext>
-            </a:extLst>
-          </p:cNvPr>
-          <p:cNvGrpSpPr/>
-          <p:nvPr/>
-        </p:nvGrpSpPr>
-        <p:grpSpPr>
-          <a:xfrm>
-            <a:off x="316495" y="8085917"/>
-            <a:ext cx="11637638" cy="1375453"/>
-            <a:chOff x="2061029" y="2104571"/>
-            <a:chExt cx="11637638" cy="1375453"/>
-          </a:xfrm>
-          <a:solidFill>
-            <a:schemeClr val="accent4">
-              <a:lumMod val="75000"/>
-            </a:schemeClr>
-          </a:solidFill>
-        </p:grpSpPr>
-        <p:sp>
-          <p:nvSpPr>
-            <p:cNvPr id="20" name="Rectangle 19">
-              <a:extLst>
-                <a:ext uri="{FF2B5EF4-FFF2-40B4-BE49-F238E27FC236}">
-                  <a16:creationId xmlns:a16="http://schemas.microsoft.com/office/drawing/2014/main" id="{AFDE8690-A1D1-6DD7-7F72-CA29A582C105}"/>
-                </a:ext>
-              </a:extLst>
-            </p:cNvPr>
-            <p:cNvSpPr/>
-            <p:nvPr/>
-          </p:nvSpPr>
-          <p:spPr>
-            <a:xfrm>
-              <a:off x="2061029" y="2104571"/>
-              <a:ext cx="11637638" cy="1375453"/>
-            </a:xfrm>
-            <a:prstGeom prst="rect">
-              <a:avLst/>
-            </a:prstGeom>
-            <a:grpFill/>
-            <a:ln>
-              <a:noFill/>
-            </a:ln>
-          </p:spPr>
-          <p:style>
-            <a:lnRef idx="2">
-              <a:schemeClr val="accent1">
-                <a:shade val="15000"/>
-              </a:schemeClr>
-            </a:lnRef>
-            <a:fillRef idx="1">
-              <a:schemeClr val="accent1"/>
-            </a:fillRef>
-            <a:effectRef idx="0">
-              <a:schemeClr val="accent1"/>
-            </a:effectRef>
-            <a:fontRef idx="minor">
-              <a:schemeClr val="lt1"/>
-            </a:fontRef>
-          </p:style>
-          <p:txBody>
-            <a:bodyPr rtlCol="0" anchor="ctr"/>
-            <a:lstStyle/>
-            <a:p>
-              <a:pPr algn="ctr"/>
-              <a:endParaRPr lang="en-CH"/>
-            </a:p>
-          </p:txBody>
-        </p:sp>
-        <p:sp>
-          <p:nvSpPr>
-            <p:cNvPr id="21" name="TextBox 20">
-              <a:extLst>
-                <a:ext uri="{FF2B5EF4-FFF2-40B4-BE49-F238E27FC236}">
-                  <a16:creationId xmlns:a16="http://schemas.microsoft.com/office/drawing/2014/main" id="{50CB80DE-2A0B-3DC3-E449-E872CBA848F5}"/>
-                </a:ext>
-              </a:extLst>
-            </p:cNvPr>
-            <p:cNvSpPr txBox="1"/>
-            <p:nvPr/>
-          </p:nvSpPr>
-          <p:spPr>
-            <a:xfrm>
-              <a:off x="2119086" y="2217003"/>
-              <a:ext cx="2063385" cy="461665"/>
-            </a:xfrm>
-            <a:prstGeom prst="rect">
-              <a:avLst/>
-            </a:prstGeom>
-            <a:grpFill/>
-          </p:spPr>
-          <p:txBody>
-            <a:bodyPr wrap="none" rtlCol="0">
-              <a:spAutoFit/>
-            </a:bodyPr>
-            <a:lstStyle/>
-            <a:p>
-              <a:r>
-                <a:rPr lang="en-CH" sz="2400" b="1" dirty="0">
-                  <a:solidFill>
-                    <a:schemeClr val="bg1"/>
-                  </a:solidFill>
-                  <a:latin typeface="Helvetica" pitchFamily="2" charset="0"/>
-                </a:rPr>
-                <a:t>Organization</a:t>
-              </a:r>
-            </a:p>
-          </p:txBody>
-        </p:sp>
-      </p:grpSp>
+          <a:prstGeom prst="rect">
+            <a:avLst/>
+          </a:prstGeom>
+        </p:spPr>
+      </p:pic>
     </p:spTree>
     <p:extLst>
       <p:ext uri="{BB962C8B-B14F-4D97-AF65-F5344CB8AC3E}">
-        <p14:creationId xmlns:p14="http://schemas.microsoft.com/office/powerpoint/2010/main" val="460058548"/>
+        <p14:creationId xmlns:p14="http://schemas.microsoft.com/office/powerpoint/2010/main" val="3428721666"/>
       </p:ext>
     </p:extLst>
   </p:cSld>
